--- a/doc/task3/red_task3.pptx
+++ b/doc/task3/red_task3.pptx
@@ -9,6 +9,16 @@
     <p:sldId id="257" r:id="rId3"/>
     <p:sldId id="258" r:id="rId4"/>
     <p:sldId id="259" r:id="rId5"/>
+    <p:sldId id="260" r:id="rId6"/>
+    <p:sldId id="264" r:id="rId7"/>
+    <p:sldId id="261" r:id="rId8"/>
+    <p:sldId id="265" r:id="rId9"/>
+    <p:sldId id="266" r:id="rId10"/>
+    <p:sldId id="267" r:id="rId11"/>
+    <p:sldId id="268" r:id="rId12"/>
+    <p:sldId id="269" r:id="rId13"/>
+    <p:sldId id="262" r:id="rId14"/>
+    <p:sldId id="263" r:id="rId15"/>
   </p:sldIdLst>
   <p:sldSz cx="12192000" cy="6858000"/>
   <p:notesSz cx="6858000" cy="9144000"/>
@@ -3092,6 +3102,404 @@
 </p:sld>
 </file>
 
+<file path=ppt/slides/slide10.xml><?xml version="1.0" encoding="utf-8"?>
+<p:sld xmlns:a="http://schemas.openxmlformats.org/drawingml/2006/main" xmlns:r="http://schemas.openxmlformats.org/officeDocument/2006/relationships" xmlns:p="http://schemas.openxmlformats.org/presentationml/2006/main">
+  <p:cSld>
+    <p:spTree>
+      <p:nvGrpSpPr>
+        <p:cNvPr id="1" name=""/>
+        <p:cNvGrpSpPr/>
+        <p:nvPr/>
+      </p:nvGrpSpPr>
+      <p:grpSpPr>
+        <a:xfrm>
+          <a:off x="0" y="0"/>
+          <a:ext cx="0" cy="0"/>
+          <a:chOff x="0" y="0"/>
+          <a:chExt cx="0" cy="0"/>
+        </a:xfrm>
+      </p:grpSpPr>
+      <p:sp>
+        <p:nvSpPr>
+          <p:cNvPr id="2" name="Titel 1"/>
+          <p:cNvSpPr>
+            <a:spLocks noGrp="1"/>
+          </p:cNvSpPr>
+          <p:nvPr>
+            <p:ph type="title"/>
+          </p:nvPr>
+        </p:nvSpPr>
+        <p:spPr/>
+        <p:txBody>
+          <a:bodyPr/>
+          <a:lstStyle/>
+          <a:p>
+            <a:r>
+              <a:rPr lang="de-CH" dirty="0" smtClean="0"/>
+              <a:t>Storyboard Ramos</a:t>
+            </a:r>
+            <a:endParaRPr lang="de-CH" dirty="0"/>
+          </a:p>
+        </p:txBody>
+      </p:sp>
+      <p:pic>
+        <p:nvPicPr>
+          <p:cNvPr id="4" name="Inhaltsplatzhalter 3"/>
+          <p:cNvPicPr>
+            <a:picLocks noGrp="1" noChangeAspect="1"/>
+          </p:cNvPicPr>
+          <p:nvPr>
+            <p:ph idx="1"/>
+          </p:nvPr>
+        </p:nvPicPr>
+        <p:blipFill>
+          <a:blip r:embed="rId2">
+            <a:extLst>
+              <a:ext uri="{28A0092B-C50C-407E-A947-70E740481C1C}">
+                <a14:useLocalDpi xmlns:a14="http://schemas.microsoft.com/office/drawing/2010/main" val="0"/>
+              </a:ext>
+            </a:extLst>
+          </a:blip>
+          <a:stretch>
+            <a:fillRect/>
+          </a:stretch>
+        </p:blipFill>
+        <p:spPr>
+          <a:xfrm>
+            <a:off x="222978" y="2194560"/>
+            <a:ext cx="11630972" cy="2980315"/>
+          </a:xfrm>
+        </p:spPr>
+      </p:pic>
+    </p:spTree>
+    <p:extLst>
+      <p:ext uri="{BB962C8B-B14F-4D97-AF65-F5344CB8AC3E}">
+        <p14:creationId xmlns:p14="http://schemas.microsoft.com/office/powerpoint/2010/main" val="209715217"/>
+      </p:ext>
+    </p:extLst>
+  </p:cSld>
+  <p:clrMapOvr>
+    <a:masterClrMapping/>
+  </p:clrMapOvr>
+</p:sld>
+</file>
+
+<file path=ppt/slides/slide11.xml><?xml version="1.0" encoding="utf-8"?>
+<p:sld xmlns:a="http://schemas.openxmlformats.org/drawingml/2006/main" xmlns:r="http://schemas.openxmlformats.org/officeDocument/2006/relationships" xmlns:p="http://schemas.openxmlformats.org/presentationml/2006/main">
+  <p:cSld>
+    <p:spTree>
+      <p:nvGrpSpPr>
+        <p:cNvPr id="1" name=""/>
+        <p:cNvGrpSpPr/>
+        <p:nvPr/>
+      </p:nvGrpSpPr>
+      <p:grpSpPr>
+        <a:xfrm>
+          <a:off x="0" y="0"/>
+          <a:ext cx="0" cy="0"/>
+          <a:chOff x="0" y="0"/>
+          <a:chExt cx="0" cy="0"/>
+        </a:xfrm>
+      </p:grpSpPr>
+      <p:sp>
+        <p:nvSpPr>
+          <p:cNvPr id="2" name="Titel 1"/>
+          <p:cNvSpPr>
+            <a:spLocks noGrp="1"/>
+          </p:cNvSpPr>
+          <p:nvPr>
+            <p:ph type="title"/>
+          </p:nvPr>
+        </p:nvSpPr>
+        <p:spPr/>
+        <p:txBody>
+          <a:bodyPr/>
+          <a:lstStyle/>
+          <a:p>
+            <a:r>
+              <a:rPr lang="de-CH" dirty="0" smtClean="0"/>
+              <a:t>Storyboard </a:t>
+            </a:r>
+            <a:r>
+              <a:rPr lang="de-CH" dirty="0" err="1" smtClean="0"/>
+              <a:t>Tangarife</a:t>
+            </a:r>
+            <a:r>
+              <a:rPr lang="de-CH" dirty="0" smtClean="0"/>
+              <a:t> </a:t>
+            </a:r>
+            <a:endParaRPr lang="de-CH" dirty="0"/>
+          </a:p>
+        </p:txBody>
+      </p:sp>
+      <p:pic>
+        <p:nvPicPr>
+          <p:cNvPr id="4" name="Inhaltsplatzhalter 3"/>
+          <p:cNvPicPr>
+            <a:picLocks noGrp="1" noChangeAspect="1"/>
+          </p:cNvPicPr>
+          <p:nvPr>
+            <p:ph idx="1"/>
+          </p:nvPr>
+        </p:nvPicPr>
+        <p:blipFill>
+          <a:blip r:embed="rId2" cstate="print">
+            <a:extLst>
+              <a:ext uri="{28A0092B-C50C-407E-A947-70E740481C1C}">
+                <a14:useLocalDpi xmlns:a14="http://schemas.microsoft.com/office/drawing/2010/main" val="0"/>
+              </a:ext>
+            </a:extLst>
+          </a:blip>
+          <a:stretch>
+            <a:fillRect/>
+          </a:stretch>
+        </p:blipFill>
+        <p:spPr>
+          <a:xfrm>
+            <a:off x="71283" y="1828800"/>
+            <a:ext cx="12005443" cy="3865313"/>
+          </a:xfrm>
+        </p:spPr>
+      </p:pic>
+    </p:spTree>
+    <p:extLst>
+      <p:ext uri="{BB962C8B-B14F-4D97-AF65-F5344CB8AC3E}">
+        <p14:creationId xmlns:p14="http://schemas.microsoft.com/office/powerpoint/2010/main" val="2109317811"/>
+      </p:ext>
+    </p:extLst>
+  </p:cSld>
+  <p:clrMapOvr>
+    <a:masterClrMapping/>
+  </p:clrMapOvr>
+</p:sld>
+</file>
+
+<file path=ppt/slides/slide12.xml><?xml version="1.0" encoding="utf-8"?>
+<p:sld xmlns:a="http://schemas.openxmlformats.org/drawingml/2006/main" xmlns:r="http://schemas.openxmlformats.org/officeDocument/2006/relationships" xmlns:p="http://schemas.openxmlformats.org/presentationml/2006/main">
+  <p:cSld>
+    <p:spTree>
+      <p:nvGrpSpPr>
+        <p:cNvPr id="1" name=""/>
+        <p:cNvGrpSpPr/>
+        <p:nvPr/>
+      </p:nvGrpSpPr>
+      <p:grpSpPr>
+        <a:xfrm>
+          <a:off x="0" y="0"/>
+          <a:ext cx="0" cy="0"/>
+          <a:chOff x="0" y="0"/>
+          <a:chExt cx="0" cy="0"/>
+        </a:xfrm>
+      </p:grpSpPr>
+      <p:sp>
+        <p:nvSpPr>
+          <p:cNvPr id="2" name="Titel 1"/>
+          <p:cNvSpPr>
+            <a:spLocks noGrp="1"/>
+          </p:cNvSpPr>
+          <p:nvPr>
+            <p:ph type="title"/>
+          </p:nvPr>
+        </p:nvSpPr>
+        <p:spPr/>
+        <p:txBody>
+          <a:bodyPr/>
+          <a:lstStyle/>
+          <a:p>
+            <a:r>
+              <a:rPr lang="de-CH" dirty="0" smtClean="0"/>
+              <a:t>Storyboard Tomic</a:t>
+            </a:r>
+            <a:endParaRPr lang="de-CH" dirty="0"/>
+          </a:p>
+        </p:txBody>
+      </p:sp>
+      <p:pic>
+        <p:nvPicPr>
+          <p:cNvPr id="4" name="Inhaltsplatzhalter 3"/>
+          <p:cNvPicPr>
+            <a:picLocks noGrp="1" noChangeAspect="1"/>
+          </p:cNvPicPr>
+          <p:nvPr>
+            <p:ph idx="1"/>
+          </p:nvPr>
+        </p:nvPicPr>
+        <p:blipFill>
+          <a:blip r:embed="rId2" cstate="print">
+            <a:extLst>
+              <a:ext uri="{28A0092B-C50C-407E-A947-70E740481C1C}">
+                <a14:useLocalDpi xmlns:a14="http://schemas.microsoft.com/office/drawing/2010/main" val="0"/>
+              </a:ext>
+            </a:extLst>
+          </a:blip>
+          <a:stretch>
+            <a:fillRect/>
+          </a:stretch>
+        </p:blipFill>
+        <p:spPr>
+          <a:xfrm>
+            <a:off x="1795549" y="1444328"/>
+            <a:ext cx="8550691" cy="5039599"/>
+          </a:xfrm>
+        </p:spPr>
+      </p:pic>
+    </p:spTree>
+    <p:extLst>
+      <p:ext uri="{BB962C8B-B14F-4D97-AF65-F5344CB8AC3E}">
+        <p14:creationId xmlns:p14="http://schemas.microsoft.com/office/powerpoint/2010/main" val="2124948400"/>
+      </p:ext>
+    </p:extLst>
+  </p:cSld>
+  <p:clrMapOvr>
+    <a:masterClrMapping/>
+  </p:clrMapOvr>
+</p:sld>
+</file>
+
+<file path=ppt/slides/slide13.xml><?xml version="1.0" encoding="utf-8"?>
+<p:sld xmlns:a="http://schemas.openxmlformats.org/drawingml/2006/main" xmlns:r="http://schemas.openxmlformats.org/officeDocument/2006/relationships" xmlns:p="http://schemas.openxmlformats.org/presentationml/2006/main">
+  <p:cSld>
+    <p:spTree>
+      <p:nvGrpSpPr>
+        <p:cNvPr id="1" name=""/>
+        <p:cNvGrpSpPr/>
+        <p:nvPr/>
+      </p:nvGrpSpPr>
+      <p:grpSpPr>
+        <a:xfrm>
+          <a:off x="0" y="0"/>
+          <a:ext cx="0" cy="0"/>
+          <a:chOff x="0" y="0"/>
+          <a:chExt cx="0" cy="0"/>
+        </a:xfrm>
+      </p:grpSpPr>
+      <p:sp>
+        <p:nvSpPr>
+          <p:cNvPr id="2" name="Titel 1"/>
+          <p:cNvSpPr>
+            <a:spLocks noGrp="1"/>
+          </p:cNvSpPr>
+          <p:nvPr>
+            <p:ph type="title"/>
+          </p:nvPr>
+        </p:nvSpPr>
+        <p:spPr/>
+        <p:txBody>
+          <a:bodyPr/>
+          <a:lstStyle/>
+          <a:p>
+            <a:r>
+              <a:rPr lang="de-CH" dirty="0" smtClean="0"/>
+              <a:t>Prototype</a:t>
+            </a:r>
+            <a:endParaRPr lang="de-CH" dirty="0"/>
+          </a:p>
+        </p:txBody>
+      </p:sp>
+      <p:sp>
+        <p:nvSpPr>
+          <p:cNvPr id="3" name="Inhaltsplatzhalter 2"/>
+          <p:cNvSpPr>
+            <a:spLocks noGrp="1"/>
+          </p:cNvSpPr>
+          <p:nvPr>
+            <p:ph idx="1"/>
+          </p:nvPr>
+        </p:nvSpPr>
+        <p:spPr/>
+        <p:txBody>
+          <a:bodyPr/>
+          <a:lstStyle/>
+          <a:p>
+            <a:endParaRPr lang="de-CH"/>
+          </a:p>
+        </p:txBody>
+      </p:sp>
+    </p:spTree>
+    <p:extLst>
+      <p:ext uri="{BB962C8B-B14F-4D97-AF65-F5344CB8AC3E}">
+        <p14:creationId xmlns:p14="http://schemas.microsoft.com/office/powerpoint/2010/main" val="2164046191"/>
+      </p:ext>
+    </p:extLst>
+  </p:cSld>
+  <p:clrMapOvr>
+    <a:masterClrMapping/>
+  </p:clrMapOvr>
+</p:sld>
+</file>
+
+<file path=ppt/slides/slide14.xml><?xml version="1.0" encoding="utf-8"?>
+<p:sld xmlns:a="http://schemas.openxmlformats.org/drawingml/2006/main" xmlns:r="http://schemas.openxmlformats.org/officeDocument/2006/relationships" xmlns:p="http://schemas.openxmlformats.org/presentationml/2006/main">
+  <p:cSld>
+    <p:spTree>
+      <p:nvGrpSpPr>
+        <p:cNvPr id="1" name=""/>
+        <p:cNvGrpSpPr/>
+        <p:nvPr/>
+      </p:nvGrpSpPr>
+      <p:grpSpPr>
+        <a:xfrm>
+          <a:off x="0" y="0"/>
+          <a:ext cx="0" cy="0"/>
+          <a:chOff x="0" y="0"/>
+          <a:chExt cx="0" cy="0"/>
+        </a:xfrm>
+      </p:grpSpPr>
+      <p:sp>
+        <p:nvSpPr>
+          <p:cNvPr id="2" name="Titel 1"/>
+          <p:cNvSpPr>
+            <a:spLocks noGrp="1"/>
+          </p:cNvSpPr>
+          <p:nvPr>
+            <p:ph type="title"/>
+          </p:nvPr>
+        </p:nvSpPr>
+        <p:spPr/>
+        <p:txBody>
+          <a:bodyPr/>
+          <a:lstStyle/>
+          <a:p>
+            <a:r>
+              <a:rPr lang="de-CH" dirty="0" err="1" smtClean="0"/>
+              <a:t>Validate</a:t>
+            </a:r>
+            <a:endParaRPr lang="de-CH" dirty="0"/>
+          </a:p>
+        </p:txBody>
+      </p:sp>
+      <p:sp>
+        <p:nvSpPr>
+          <p:cNvPr id="3" name="Inhaltsplatzhalter 2"/>
+          <p:cNvSpPr>
+            <a:spLocks noGrp="1"/>
+          </p:cNvSpPr>
+          <p:nvPr>
+            <p:ph idx="1"/>
+          </p:nvPr>
+        </p:nvSpPr>
+        <p:spPr/>
+        <p:txBody>
+          <a:bodyPr/>
+          <a:lstStyle/>
+          <a:p>
+            <a:endParaRPr lang="de-CH"/>
+          </a:p>
+        </p:txBody>
+      </p:sp>
+    </p:spTree>
+    <p:extLst>
+      <p:ext uri="{BB962C8B-B14F-4D97-AF65-F5344CB8AC3E}">
+        <p14:creationId xmlns:p14="http://schemas.microsoft.com/office/powerpoint/2010/main" val="3443470558"/>
+      </p:ext>
+    </p:extLst>
+  </p:cSld>
+  <p:clrMapOvr>
+    <a:masterClrMapping/>
+  </p:clrMapOvr>
+</p:sld>
+</file>
+
 <file path=ppt/slides/slide2.xml><?xml version="1.0" encoding="utf-8"?>
 <p:sld xmlns:a="http://schemas.openxmlformats.org/drawingml/2006/main" xmlns:r="http://schemas.openxmlformats.org/officeDocument/2006/relationships" xmlns:p="http://schemas.openxmlformats.org/presentationml/2006/main">
   <p:cSld>
@@ -3163,6 +3571,25 @@
             <a:r>
               <a:rPr lang="de-CH" dirty="0" err="1" smtClean="0"/>
               <a:t>Synthesize</a:t>
+            </a:r>
+            <a:endParaRPr lang="de-CH" dirty="0" smtClean="0"/>
+          </a:p>
+          <a:p>
+            <a:r>
+              <a:rPr lang="de-CH" dirty="0" smtClean="0"/>
+              <a:t>Storyboards</a:t>
+            </a:r>
+          </a:p>
+          <a:p>
+            <a:r>
+              <a:rPr lang="de-CH" dirty="0" smtClean="0"/>
+              <a:t>Prototype</a:t>
+            </a:r>
+          </a:p>
+          <a:p>
+            <a:r>
+              <a:rPr lang="de-CH" dirty="0" err="1" smtClean="0"/>
+              <a:t>Validate</a:t>
             </a:r>
             <a:endParaRPr lang="de-CH" dirty="0"/>
           </a:p>
@@ -3419,6 +3846,445 @@
     <p:extLst>
       <p:ext uri="{BB962C8B-B14F-4D97-AF65-F5344CB8AC3E}">
         <p14:creationId xmlns:p14="http://schemas.microsoft.com/office/powerpoint/2010/main" val="717451131"/>
+      </p:ext>
+    </p:extLst>
+  </p:cSld>
+  <p:clrMapOvr>
+    <a:masterClrMapping/>
+  </p:clrMapOvr>
+</p:sld>
+</file>
+
+<file path=ppt/slides/slide5.xml><?xml version="1.0" encoding="utf-8"?>
+<p:sld xmlns:a="http://schemas.openxmlformats.org/drawingml/2006/main" xmlns:r="http://schemas.openxmlformats.org/officeDocument/2006/relationships" xmlns:p="http://schemas.openxmlformats.org/presentationml/2006/main">
+  <p:cSld>
+    <p:spTree>
+      <p:nvGrpSpPr>
+        <p:cNvPr id="1" name=""/>
+        <p:cNvGrpSpPr/>
+        <p:nvPr/>
+      </p:nvGrpSpPr>
+      <p:grpSpPr>
+        <a:xfrm>
+          <a:off x="0" y="0"/>
+          <a:ext cx="0" cy="0"/>
+          <a:chOff x="0" y="0"/>
+          <a:chExt cx="0" cy="0"/>
+        </a:xfrm>
+      </p:grpSpPr>
+      <p:sp>
+        <p:nvSpPr>
+          <p:cNvPr id="2" name="Titel 1"/>
+          <p:cNvSpPr>
+            <a:spLocks noGrp="1"/>
+          </p:cNvSpPr>
+          <p:nvPr>
+            <p:ph type="title"/>
+          </p:nvPr>
+        </p:nvSpPr>
+        <p:spPr/>
+        <p:txBody>
+          <a:bodyPr/>
+          <a:lstStyle/>
+          <a:p>
+            <a:r>
+              <a:rPr lang="de-CH" dirty="0" err="1" smtClean="0"/>
+              <a:t>Synthesize</a:t>
+            </a:r>
+            <a:r>
+              <a:rPr lang="de-CH" dirty="0" smtClean="0"/>
+              <a:t>: Persona</a:t>
+            </a:r>
+            <a:endParaRPr lang="de-CH" dirty="0"/>
+          </a:p>
+        </p:txBody>
+      </p:sp>
+      <p:sp>
+        <p:nvSpPr>
+          <p:cNvPr id="3" name="Inhaltsplatzhalter 2"/>
+          <p:cNvSpPr>
+            <a:spLocks noGrp="1"/>
+          </p:cNvSpPr>
+          <p:nvPr>
+            <p:ph idx="1"/>
+          </p:nvPr>
+        </p:nvSpPr>
+        <p:spPr/>
+        <p:txBody>
+          <a:bodyPr/>
+          <a:lstStyle/>
+          <a:p>
+            <a:r>
+              <a:rPr lang="de-CH" dirty="0" smtClean="0"/>
+              <a:t>Paul Mercer </a:t>
+            </a:r>
+          </a:p>
+          <a:p>
+            <a:pPr lvl="1"/>
+            <a:r>
+              <a:rPr lang="de-CH" dirty="0" smtClean="0"/>
+              <a:t>Mitarbeiter BAG</a:t>
+            </a:r>
+          </a:p>
+          <a:p>
+            <a:pPr lvl="1"/>
+            <a:r>
+              <a:rPr lang="de-CH" dirty="0" smtClean="0"/>
+              <a:t>Benötigt Übersicht über statistische Werte der Suchtpatienten</a:t>
+            </a:r>
+          </a:p>
+          <a:p>
+            <a:endParaRPr lang="de-CH" dirty="0"/>
+          </a:p>
+          <a:p>
+            <a:r>
+              <a:rPr lang="de-CH" dirty="0" smtClean="0"/>
+              <a:t>Max Muster</a:t>
+            </a:r>
+          </a:p>
+          <a:p>
+            <a:pPr lvl="1"/>
+            <a:r>
+              <a:rPr lang="de-CH" dirty="0" smtClean="0"/>
+              <a:t>Verantwortlicher Projekt «Verteilung der Patienten in Suchtkliniken 2017»</a:t>
+            </a:r>
+          </a:p>
+        </p:txBody>
+      </p:sp>
+    </p:spTree>
+    <p:extLst>
+      <p:ext uri="{BB962C8B-B14F-4D97-AF65-F5344CB8AC3E}">
+        <p14:creationId xmlns:p14="http://schemas.microsoft.com/office/powerpoint/2010/main" val="540975899"/>
+      </p:ext>
+    </p:extLst>
+  </p:cSld>
+  <p:clrMapOvr>
+    <a:masterClrMapping/>
+  </p:clrMapOvr>
+</p:sld>
+</file>
+
+<file path=ppt/slides/slide6.xml><?xml version="1.0" encoding="utf-8"?>
+<p:sld xmlns:a="http://schemas.openxmlformats.org/drawingml/2006/main" xmlns:r="http://schemas.openxmlformats.org/officeDocument/2006/relationships" xmlns:p="http://schemas.openxmlformats.org/presentationml/2006/main">
+  <p:cSld>
+    <p:spTree>
+      <p:nvGrpSpPr>
+        <p:cNvPr id="1" name=""/>
+        <p:cNvGrpSpPr/>
+        <p:nvPr/>
+      </p:nvGrpSpPr>
+      <p:grpSpPr>
+        <a:xfrm>
+          <a:off x="0" y="0"/>
+          <a:ext cx="0" cy="0"/>
+          <a:chOff x="0" y="0"/>
+          <a:chExt cx="0" cy="0"/>
+        </a:xfrm>
+      </p:grpSpPr>
+      <p:sp>
+        <p:nvSpPr>
+          <p:cNvPr id="2" name="Titel 1"/>
+          <p:cNvSpPr>
+            <a:spLocks noGrp="1"/>
+          </p:cNvSpPr>
+          <p:nvPr>
+            <p:ph type="title"/>
+          </p:nvPr>
+        </p:nvSpPr>
+        <p:spPr/>
+        <p:txBody>
+          <a:bodyPr/>
+          <a:lstStyle/>
+          <a:p>
+            <a:r>
+              <a:rPr lang="de-CH" dirty="0" smtClean="0"/>
+              <a:t>User </a:t>
+            </a:r>
+            <a:r>
+              <a:rPr lang="de-CH" dirty="0" err="1" smtClean="0"/>
+              <a:t>requirements</a:t>
+            </a:r>
+            <a:endParaRPr lang="de-CH" dirty="0"/>
+          </a:p>
+        </p:txBody>
+      </p:sp>
+      <p:sp>
+        <p:nvSpPr>
+          <p:cNvPr id="3" name="Inhaltsplatzhalter 2"/>
+          <p:cNvSpPr>
+            <a:spLocks noGrp="1"/>
+          </p:cNvSpPr>
+          <p:nvPr>
+            <p:ph idx="1"/>
+          </p:nvPr>
+        </p:nvSpPr>
+        <p:spPr/>
+        <p:txBody>
+          <a:bodyPr/>
+          <a:lstStyle/>
+          <a:p>
+            <a:endParaRPr lang="de-CH" dirty="0"/>
+          </a:p>
+        </p:txBody>
+      </p:sp>
+    </p:spTree>
+    <p:extLst>
+      <p:ext uri="{BB962C8B-B14F-4D97-AF65-F5344CB8AC3E}">
+        <p14:creationId xmlns:p14="http://schemas.microsoft.com/office/powerpoint/2010/main" val="2973138989"/>
+      </p:ext>
+    </p:extLst>
+  </p:cSld>
+  <p:clrMapOvr>
+    <a:masterClrMapping/>
+  </p:clrMapOvr>
+</p:sld>
+</file>
+
+<file path=ppt/slides/slide7.xml><?xml version="1.0" encoding="utf-8"?>
+<p:sld xmlns:a="http://schemas.openxmlformats.org/drawingml/2006/main" xmlns:r="http://schemas.openxmlformats.org/officeDocument/2006/relationships" xmlns:p="http://schemas.openxmlformats.org/presentationml/2006/main">
+  <p:cSld>
+    <p:spTree>
+      <p:nvGrpSpPr>
+        <p:cNvPr id="1" name=""/>
+        <p:cNvGrpSpPr/>
+        <p:nvPr/>
+      </p:nvGrpSpPr>
+      <p:grpSpPr>
+        <a:xfrm>
+          <a:off x="0" y="0"/>
+          <a:ext cx="0" cy="0"/>
+          <a:chOff x="0" y="0"/>
+          <a:chExt cx="0" cy="0"/>
+        </a:xfrm>
+      </p:grpSpPr>
+      <p:sp>
+        <p:nvSpPr>
+          <p:cNvPr id="2" name="Titel 1"/>
+          <p:cNvSpPr>
+            <a:spLocks noGrp="1"/>
+          </p:cNvSpPr>
+          <p:nvPr>
+            <p:ph type="title"/>
+          </p:nvPr>
+        </p:nvSpPr>
+        <p:spPr/>
+        <p:txBody>
+          <a:bodyPr/>
+          <a:lstStyle/>
+          <a:p>
+            <a:r>
+              <a:rPr lang="de-CH" dirty="0" smtClean="0"/>
+              <a:t>Storyboard </a:t>
+            </a:r>
+            <a:r>
+              <a:rPr lang="de-CH" dirty="0" err="1" smtClean="0"/>
+              <a:t>Frehner</a:t>
+            </a:r>
+            <a:endParaRPr lang="de-CH" dirty="0"/>
+          </a:p>
+        </p:txBody>
+      </p:sp>
+      <p:pic>
+        <p:nvPicPr>
+          <p:cNvPr id="6" name="Inhaltsplatzhalter 5"/>
+          <p:cNvPicPr>
+            <a:picLocks noGrp="1" noChangeAspect="1"/>
+          </p:cNvPicPr>
+          <p:nvPr>
+            <p:ph idx="1"/>
+          </p:nvPr>
+        </p:nvPicPr>
+        <p:blipFill>
+          <a:blip r:embed="rId2" cstate="print">
+            <a:extLst>
+              <a:ext uri="{28A0092B-C50C-407E-A947-70E740481C1C}">
+                <a14:useLocalDpi xmlns:a14="http://schemas.microsoft.com/office/drawing/2010/main" val="0"/>
+              </a:ext>
+            </a:extLst>
+          </a:blip>
+          <a:stretch>
+            <a:fillRect/>
+          </a:stretch>
+        </p:blipFill>
+        <p:spPr>
+          <a:xfrm>
+            <a:off x="159549" y="1449038"/>
+            <a:ext cx="11872901" cy="4624623"/>
+          </a:xfrm>
+        </p:spPr>
+      </p:pic>
+    </p:spTree>
+    <p:extLst>
+      <p:ext uri="{BB962C8B-B14F-4D97-AF65-F5344CB8AC3E}">
+        <p14:creationId xmlns:p14="http://schemas.microsoft.com/office/powerpoint/2010/main" val="1386333132"/>
+      </p:ext>
+    </p:extLst>
+  </p:cSld>
+  <p:clrMapOvr>
+    <a:masterClrMapping/>
+  </p:clrMapOvr>
+</p:sld>
+</file>
+
+<file path=ppt/slides/slide8.xml><?xml version="1.0" encoding="utf-8"?>
+<p:sld xmlns:a="http://schemas.openxmlformats.org/drawingml/2006/main" xmlns:r="http://schemas.openxmlformats.org/officeDocument/2006/relationships" xmlns:p="http://schemas.openxmlformats.org/presentationml/2006/main">
+  <p:cSld>
+    <p:spTree>
+      <p:nvGrpSpPr>
+        <p:cNvPr id="1" name=""/>
+        <p:cNvGrpSpPr/>
+        <p:nvPr/>
+      </p:nvGrpSpPr>
+      <p:grpSpPr>
+        <a:xfrm>
+          <a:off x="0" y="0"/>
+          <a:ext cx="0" cy="0"/>
+          <a:chOff x="0" y="0"/>
+          <a:chExt cx="0" cy="0"/>
+        </a:xfrm>
+      </p:grpSpPr>
+      <p:sp>
+        <p:nvSpPr>
+          <p:cNvPr id="2" name="Titel 1"/>
+          <p:cNvSpPr>
+            <a:spLocks noGrp="1"/>
+          </p:cNvSpPr>
+          <p:nvPr>
+            <p:ph type="title"/>
+          </p:nvPr>
+        </p:nvSpPr>
+        <p:spPr/>
+        <p:txBody>
+          <a:bodyPr/>
+          <a:lstStyle/>
+          <a:p>
+            <a:r>
+              <a:rPr lang="de-CH" dirty="0" smtClean="0"/>
+              <a:t>Storyboard Hamidi</a:t>
+            </a:r>
+            <a:endParaRPr lang="de-CH" dirty="0"/>
+          </a:p>
+        </p:txBody>
+      </p:sp>
+      <p:pic>
+        <p:nvPicPr>
+          <p:cNvPr id="4" name="Inhaltsplatzhalter 3"/>
+          <p:cNvPicPr>
+            <a:picLocks noGrp="1" noChangeAspect="1"/>
+          </p:cNvPicPr>
+          <p:nvPr>
+            <p:ph idx="1"/>
+          </p:nvPr>
+        </p:nvPicPr>
+        <p:blipFill>
+          <a:blip r:embed="rId2" cstate="print">
+            <a:extLst>
+              <a:ext uri="{28A0092B-C50C-407E-A947-70E740481C1C}">
+                <a14:useLocalDpi xmlns:a14="http://schemas.microsoft.com/office/drawing/2010/main" val="0"/>
+              </a:ext>
+            </a:extLst>
+          </a:blip>
+          <a:stretch>
+            <a:fillRect/>
+          </a:stretch>
+        </p:blipFill>
+        <p:spPr>
+          <a:xfrm>
+            <a:off x="2161309" y="1446415"/>
+            <a:ext cx="7536331" cy="5346012"/>
+          </a:xfrm>
+        </p:spPr>
+      </p:pic>
+    </p:spTree>
+    <p:extLst>
+      <p:ext uri="{BB962C8B-B14F-4D97-AF65-F5344CB8AC3E}">
+        <p14:creationId xmlns:p14="http://schemas.microsoft.com/office/powerpoint/2010/main" val="2086801856"/>
+      </p:ext>
+    </p:extLst>
+  </p:cSld>
+  <p:clrMapOvr>
+    <a:masterClrMapping/>
+  </p:clrMapOvr>
+</p:sld>
+</file>
+
+<file path=ppt/slides/slide9.xml><?xml version="1.0" encoding="utf-8"?>
+<p:sld xmlns:a="http://schemas.openxmlformats.org/drawingml/2006/main" xmlns:r="http://schemas.openxmlformats.org/officeDocument/2006/relationships" xmlns:p="http://schemas.openxmlformats.org/presentationml/2006/main">
+  <p:cSld>
+    <p:spTree>
+      <p:nvGrpSpPr>
+        <p:cNvPr id="1" name=""/>
+        <p:cNvGrpSpPr/>
+        <p:nvPr/>
+      </p:nvGrpSpPr>
+      <p:grpSpPr>
+        <a:xfrm>
+          <a:off x="0" y="0"/>
+          <a:ext cx="0" cy="0"/>
+          <a:chOff x="0" y="0"/>
+          <a:chExt cx="0" cy="0"/>
+        </a:xfrm>
+      </p:grpSpPr>
+      <p:sp>
+        <p:nvSpPr>
+          <p:cNvPr id="2" name="Titel 1"/>
+          <p:cNvSpPr>
+            <a:spLocks noGrp="1"/>
+          </p:cNvSpPr>
+          <p:nvPr>
+            <p:ph type="title"/>
+          </p:nvPr>
+        </p:nvSpPr>
+        <p:spPr/>
+        <p:txBody>
+          <a:bodyPr/>
+          <a:lstStyle/>
+          <a:p>
+            <a:r>
+              <a:rPr lang="de-CH" dirty="0" smtClean="0"/>
+              <a:t>Storyboard </a:t>
+            </a:r>
+            <a:r>
+              <a:rPr lang="de-CH" dirty="0" err="1" smtClean="0"/>
+              <a:t>Magdub</a:t>
+            </a:r>
+            <a:endParaRPr lang="de-CH" dirty="0"/>
+          </a:p>
+        </p:txBody>
+      </p:sp>
+      <p:pic>
+        <p:nvPicPr>
+          <p:cNvPr id="4" name="Inhaltsplatzhalter 3"/>
+          <p:cNvPicPr>
+            <a:picLocks noGrp="1" noChangeAspect="1"/>
+          </p:cNvPicPr>
+          <p:nvPr>
+            <p:ph idx="1"/>
+          </p:nvPr>
+        </p:nvPicPr>
+        <p:blipFill>
+          <a:blip r:embed="rId2">
+            <a:extLst>
+              <a:ext uri="{28A0092B-C50C-407E-A947-70E740481C1C}">
+                <a14:useLocalDpi xmlns:a14="http://schemas.microsoft.com/office/drawing/2010/main" val="0"/>
+              </a:ext>
+            </a:extLst>
+          </a:blip>
+          <a:stretch>
+            <a:fillRect/>
+          </a:stretch>
+        </p:blipFill>
+        <p:spPr>
+          <a:xfrm>
+            <a:off x="422664" y="1690688"/>
+            <a:ext cx="11252446" cy="4660236"/>
+          </a:xfrm>
+        </p:spPr>
+      </p:pic>
+    </p:spTree>
+    <p:extLst>
+      <p:ext uri="{BB962C8B-B14F-4D97-AF65-F5344CB8AC3E}">
+        <p14:creationId xmlns:p14="http://schemas.microsoft.com/office/powerpoint/2010/main" val="2167279403"/>
       </p:ext>
     </p:extLst>
   </p:cSld>

--- a/doc/task3/red_task3.pptx
+++ b/doc/task3/red_task3.pptx
@@ -267,7 +267,7 @@
           <a:p>
             <a:fld id="{54B9187C-4AAB-4BBF-A4A6-86C60CA1ED33}" type="datetimeFigureOut">
               <a:rPr lang="de-CH" smtClean="0"/>
-              <a:t>25.10.2016</a:t>
+              <a:t>27.10.2016</a:t>
             </a:fld>
             <a:endParaRPr lang="de-CH"/>
           </a:p>
@@ -437,7 +437,7 @@
           <a:p>
             <a:fld id="{54B9187C-4AAB-4BBF-A4A6-86C60CA1ED33}" type="datetimeFigureOut">
               <a:rPr lang="de-CH" smtClean="0"/>
-              <a:t>25.10.2016</a:t>
+              <a:t>27.10.2016</a:t>
             </a:fld>
             <a:endParaRPr lang="de-CH"/>
           </a:p>
@@ -617,7 +617,7 @@
           <a:p>
             <a:fld id="{54B9187C-4AAB-4BBF-A4A6-86C60CA1ED33}" type="datetimeFigureOut">
               <a:rPr lang="de-CH" smtClean="0"/>
-              <a:t>25.10.2016</a:t>
+              <a:t>27.10.2016</a:t>
             </a:fld>
             <a:endParaRPr lang="de-CH"/>
           </a:p>
@@ -787,7 +787,7 @@
           <a:p>
             <a:fld id="{54B9187C-4AAB-4BBF-A4A6-86C60CA1ED33}" type="datetimeFigureOut">
               <a:rPr lang="de-CH" smtClean="0"/>
-              <a:t>25.10.2016</a:t>
+              <a:t>27.10.2016</a:t>
             </a:fld>
             <a:endParaRPr lang="de-CH"/>
           </a:p>
@@ -1033,7 +1033,7 @@
           <a:p>
             <a:fld id="{54B9187C-4AAB-4BBF-A4A6-86C60CA1ED33}" type="datetimeFigureOut">
               <a:rPr lang="de-CH" smtClean="0"/>
-              <a:t>25.10.2016</a:t>
+              <a:t>27.10.2016</a:t>
             </a:fld>
             <a:endParaRPr lang="de-CH"/>
           </a:p>
@@ -1265,7 +1265,7 @@
           <a:p>
             <a:fld id="{54B9187C-4AAB-4BBF-A4A6-86C60CA1ED33}" type="datetimeFigureOut">
               <a:rPr lang="de-CH" smtClean="0"/>
-              <a:t>25.10.2016</a:t>
+              <a:t>27.10.2016</a:t>
             </a:fld>
             <a:endParaRPr lang="de-CH"/>
           </a:p>
@@ -1632,7 +1632,7 @@
           <a:p>
             <a:fld id="{54B9187C-4AAB-4BBF-A4A6-86C60CA1ED33}" type="datetimeFigureOut">
               <a:rPr lang="de-CH" smtClean="0"/>
-              <a:t>25.10.2016</a:t>
+              <a:t>27.10.2016</a:t>
             </a:fld>
             <a:endParaRPr lang="de-CH"/>
           </a:p>
@@ -1750,7 +1750,7 @@
           <a:p>
             <a:fld id="{54B9187C-4AAB-4BBF-A4A6-86C60CA1ED33}" type="datetimeFigureOut">
               <a:rPr lang="de-CH" smtClean="0"/>
-              <a:t>25.10.2016</a:t>
+              <a:t>27.10.2016</a:t>
             </a:fld>
             <a:endParaRPr lang="de-CH"/>
           </a:p>
@@ -1845,7 +1845,7 @@
           <a:p>
             <a:fld id="{54B9187C-4AAB-4BBF-A4A6-86C60CA1ED33}" type="datetimeFigureOut">
               <a:rPr lang="de-CH" smtClean="0"/>
-              <a:t>25.10.2016</a:t>
+              <a:t>27.10.2016</a:t>
             </a:fld>
             <a:endParaRPr lang="de-CH"/>
           </a:p>
@@ -2122,7 +2122,7 @@
           <a:p>
             <a:fld id="{54B9187C-4AAB-4BBF-A4A6-86C60CA1ED33}" type="datetimeFigureOut">
               <a:rPr lang="de-CH" smtClean="0"/>
-              <a:t>25.10.2016</a:t>
+              <a:t>27.10.2016</a:t>
             </a:fld>
             <a:endParaRPr lang="de-CH"/>
           </a:p>
@@ -2375,7 +2375,7 @@
           <a:p>
             <a:fld id="{54B9187C-4AAB-4BBF-A4A6-86C60CA1ED33}" type="datetimeFigureOut">
               <a:rPr lang="de-CH" smtClean="0"/>
-              <a:t>25.10.2016</a:t>
+              <a:t>27.10.2016</a:t>
             </a:fld>
             <a:endParaRPr lang="de-CH"/>
           </a:p>
@@ -2588,7 +2588,7 @@
           <a:p>
             <a:fld id="{54B9187C-4AAB-4BBF-A4A6-86C60CA1ED33}" type="datetimeFigureOut">
               <a:rPr lang="de-CH" smtClean="0"/>
-              <a:t>25.10.2016</a:t>
+              <a:t>27.10.2016</a:t>
             </a:fld>
             <a:endParaRPr lang="de-CH"/>
           </a:p>
@@ -3961,6 +3961,13 @@
   <p:clrMapOvr>
     <a:masterClrMapping/>
   </p:clrMapOvr>
+  <p:timing>
+    <p:tnLst>
+      <p:par>
+        <p:cTn id="1" dur="indefinite" restart="never" nodeType="tmRoot"/>
+      </p:par>
+    </p:tnLst>
+  </p:timing>
 </p:sld>
 </file>
 
@@ -4008,25 +4015,35 @@
           </a:p>
         </p:txBody>
       </p:sp>
-      <p:sp>
-        <p:nvSpPr>
-          <p:cNvPr id="3" name="Inhaltsplatzhalter 2"/>
-          <p:cNvSpPr>
-            <a:spLocks noGrp="1"/>
-          </p:cNvSpPr>
+      <p:pic>
+        <p:nvPicPr>
+          <p:cNvPr id="4" name="Inhaltsplatzhalter 3"/>
+          <p:cNvPicPr>
+            <a:picLocks noGrp="1" noChangeAspect="1"/>
+          </p:cNvPicPr>
           <p:nvPr>
             <p:ph idx="1"/>
           </p:nvPr>
-        </p:nvSpPr>
-        <p:spPr/>
-        <p:txBody>
-          <a:bodyPr/>
-          <a:lstStyle/>
-          <a:p>
-            <a:endParaRPr lang="de-CH" dirty="0"/>
-          </a:p>
-        </p:txBody>
-      </p:sp>
+        </p:nvPicPr>
+        <p:blipFill>
+          <a:blip r:embed="rId2">
+            <a:extLst>
+              <a:ext uri="{28A0092B-C50C-407E-A947-70E740481C1C}">
+                <a14:useLocalDpi xmlns:a14="http://schemas.microsoft.com/office/drawing/2010/main" val="0"/>
+              </a:ext>
+            </a:extLst>
+          </a:blip>
+          <a:stretch>
+            <a:fillRect/>
+          </a:stretch>
+        </p:blipFill>
+        <p:spPr>
+          <a:xfrm>
+            <a:off x="1812182" y="1420844"/>
+            <a:ext cx="8545484" cy="5700651"/>
+          </a:xfrm>
+        </p:spPr>
+      </p:pic>
     </p:spTree>
     <p:extLst>
       <p:ext uri="{BB962C8B-B14F-4D97-AF65-F5344CB8AC3E}">
@@ -4037,6 +4054,13 @@
   <p:clrMapOvr>
     <a:masterClrMapping/>
   </p:clrMapOvr>
+  <p:timing>
+    <p:tnLst>
+      <p:par>
+        <p:cTn id="1" dur="indefinite" restart="never" nodeType="tmRoot"/>
+      </p:par>
+    </p:tnLst>
+  </p:timing>
 </p:sld>
 </file>
 
@@ -4123,6 +4147,13 @@
   <p:clrMapOvr>
     <a:masterClrMapping/>
   </p:clrMapOvr>
+  <p:timing>
+    <p:tnLst>
+      <p:par>
+        <p:cTn id="1" dur="indefinite" restart="never" nodeType="tmRoot"/>
+      </p:par>
+    </p:tnLst>
+  </p:timing>
 </p:sld>
 </file>
 

--- a/doc/task3/red_task3.pptx
+++ b/doc/task3/red_task3.pptx
@@ -3353,6 +3353,13 @@
   <p:clrMapOvr>
     <a:masterClrMapping/>
   </p:clrMapOvr>
+  <p:timing>
+    <p:tnLst>
+      <p:par>
+        <p:cTn id="1" dur="indefinite" restart="never" nodeType="tmRoot"/>
+      </p:par>
+    </p:tnLst>
+  </p:timing>
 </p:sld>
 </file>
 
@@ -3396,25 +3403,64 @@
           </a:p>
         </p:txBody>
       </p:sp>
-      <p:sp>
-        <p:nvSpPr>
-          <p:cNvPr id="3" name="Inhaltsplatzhalter 2"/>
-          <p:cNvSpPr>
-            <a:spLocks noGrp="1"/>
-          </p:cNvSpPr>
-          <p:nvPr>
-            <p:ph idx="1"/>
-          </p:nvPr>
-        </p:nvSpPr>
-        <p:spPr/>
-        <p:txBody>
-          <a:bodyPr/>
-          <a:lstStyle/>
-          <a:p>
-            <a:endParaRPr lang="de-CH"/>
-          </a:p>
-        </p:txBody>
-      </p:sp>
+      <p:pic>
+        <p:nvPicPr>
+          <p:cNvPr id="4" name="Grafik 3"/>
+          <p:cNvPicPr>
+            <a:picLocks noChangeAspect="1"/>
+          </p:cNvPicPr>
+          <p:nvPr/>
+        </p:nvPicPr>
+        <p:blipFill rotWithShape="1">
+          <a:blip r:embed="rId2" cstate="print">
+            <a:extLst>
+              <a:ext uri="{28A0092B-C50C-407E-A947-70E740481C1C}">
+                <a14:useLocalDpi xmlns:a14="http://schemas.microsoft.com/office/drawing/2010/main" val="0"/>
+              </a:ext>
+            </a:extLst>
+          </a:blip>
+          <a:srcRect l="25828" t="5072" r="28415" b="73043"/>
+          <a:stretch/>
+        </p:blipFill>
+        <p:spPr>
+          <a:xfrm>
+            <a:off x="838200" y="2058952"/>
+            <a:ext cx="3935152" cy="2652712"/>
+          </a:xfrm>
+          <a:prstGeom prst="rect">
+            <a:avLst/>
+          </a:prstGeom>
+        </p:spPr>
+      </p:pic>
+      <p:pic>
+        <p:nvPicPr>
+          <p:cNvPr id="5" name="Grafik 4"/>
+          <p:cNvPicPr>
+            <a:picLocks noChangeAspect="1"/>
+          </p:cNvPicPr>
+          <p:nvPr/>
+        </p:nvPicPr>
+        <p:blipFill rotWithShape="1">
+          <a:blip r:embed="rId2" cstate="print">
+            <a:extLst>
+              <a:ext uri="{28A0092B-C50C-407E-A947-70E740481C1C}">
+                <a14:useLocalDpi xmlns:a14="http://schemas.microsoft.com/office/drawing/2010/main" val="0"/>
+              </a:ext>
+            </a:extLst>
+          </a:blip>
+          <a:srcRect l="7239" t="34927" r="6353" b="7101"/>
+          <a:stretch/>
+        </p:blipFill>
+        <p:spPr>
+          <a:xfrm>
+            <a:off x="5274365" y="791723"/>
+            <a:ext cx="6079435" cy="5748875"/>
+          </a:xfrm>
+          <a:prstGeom prst="rect">
+            <a:avLst/>
+          </a:prstGeom>
+        </p:spPr>
+      </p:pic>
     </p:spTree>
     <p:extLst>
       <p:ext uri="{BB962C8B-B14F-4D97-AF65-F5344CB8AC3E}">
@@ -3425,6 +3471,13 @@
   <p:clrMapOvr>
     <a:masterClrMapping/>
   </p:clrMapOvr>
+  <p:timing>
+    <p:tnLst>
+      <p:par>
+        <p:cTn id="1" dur="indefinite" restart="never" nodeType="tmRoot"/>
+      </p:par>
+    </p:tnLst>
+  </p:timing>
 </p:sld>
 </file>
 
@@ -3497,6 +3550,13 @@
   <p:clrMapOvr>
     <a:masterClrMapping/>
   </p:clrMapOvr>
+  <p:timing>
+    <p:tnLst>
+      <p:par>
+        <p:cTn id="1" dur="indefinite" restart="never" nodeType="tmRoot"/>
+      </p:par>
+    </p:tnLst>
+  </p:timing>
 </p:sld>
 </file>
 
@@ -4004,8 +4064,12 @@
           <a:lstStyle/>
           <a:p>
             <a:r>
+              <a:rPr lang="de-CH" dirty="0" err="1" smtClean="0"/>
+              <a:t>Synthesize</a:t>
+            </a:r>
+            <a:r>
               <a:rPr lang="de-CH" dirty="0" smtClean="0"/>
-              <a:t>User </a:t>
+              <a:t>: User </a:t>
             </a:r>
             <a:r>
               <a:rPr lang="de-CH" dirty="0" err="1" smtClean="0"/>

--- a/doc/task3/red_task3.pptx
+++ b/doc/task3/red_task3.pptx
@@ -18,7 +18,7 @@
     <p:sldId id="268" r:id="rId12"/>
     <p:sldId id="269" r:id="rId13"/>
     <p:sldId id="262" r:id="rId14"/>
-    <p:sldId id="263" r:id="rId15"/>
+    <p:sldId id="270" r:id="rId15"/>
   </p:sldIdLst>
   <p:sldSz cx="12192000" cy="6858000"/>
   <p:notesSz cx="6858000" cy="9144000"/>
@@ -267,7 +267,7 @@
           <a:p>
             <a:fld id="{54B9187C-4AAB-4BBF-A4A6-86C60CA1ED33}" type="datetimeFigureOut">
               <a:rPr lang="de-CH" smtClean="0"/>
-              <a:t>27.10.2016</a:t>
+              <a:t>27.10.16</a:t>
             </a:fld>
             <a:endParaRPr lang="de-CH"/>
           </a:p>
@@ -437,7 +437,7 @@
           <a:p>
             <a:fld id="{54B9187C-4AAB-4BBF-A4A6-86C60CA1ED33}" type="datetimeFigureOut">
               <a:rPr lang="de-CH" smtClean="0"/>
-              <a:t>27.10.2016</a:t>
+              <a:t>27.10.16</a:t>
             </a:fld>
             <a:endParaRPr lang="de-CH"/>
           </a:p>
@@ -617,7 +617,7 @@
           <a:p>
             <a:fld id="{54B9187C-4AAB-4BBF-A4A6-86C60CA1ED33}" type="datetimeFigureOut">
               <a:rPr lang="de-CH" smtClean="0"/>
-              <a:t>27.10.2016</a:t>
+              <a:t>27.10.16</a:t>
             </a:fld>
             <a:endParaRPr lang="de-CH"/>
           </a:p>
@@ -787,7 +787,7 @@
           <a:p>
             <a:fld id="{54B9187C-4AAB-4BBF-A4A6-86C60CA1ED33}" type="datetimeFigureOut">
               <a:rPr lang="de-CH" smtClean="0"/>
-              <a:t>27.10.2016</a:t>
+              <a:t>27.10.16</a:t>
             </a:fld>
             <a:endParaRPr lang="de-CH"/>
           </a:p>
@@ -1033,7 +1033,7 @@
           <a:p>
             <a:fld id="{54B9187C-4AAB-4BBF-A4A6-86C60CA1ED33}" type="datetimeFigureOut">
               <a:rPr lang="de-CH" smtClean="0"/>
-              <a:t>27.10.2016</a:t>
+              <a:t>27.10.16</a:t>
             </a:fld>
             <a:endParaRPr lang="de-CH"/>
           </a:p>
@@ -1265,7 +1265,7 @@
           <a:p>
             <a:fld id="{54B9187C-4AAB-4BBF-A4A6-86C60CA1ED33}" type="datetimeFigureOut">
               <a:rPr lang="de-CH" smtClean="0"/>
-              <a:t>27.10.2016</a:t>
+              <a:t>27.10.16</a:t>
             </a:fld>
             <a:endParaRPr lang="de-CH"/>
           </a:p>
@@ -1632,7 +1632,7 @@
           <a:p>
             <a:fld id="{54B9187C-4AAB-4BBF-A4A6-86C60CA1ED33}" type="datetimeFigureOut">
               <a:rPr lang="de-CH" smtClean="0"/>
-              <a:t>27.10.2016</a:t>
+              <a:t>27.10.16</a:t>
             </a:fld>
             <a:endParaRPr lang="de-CH"/>
           </a:p>
@@ -1750,7 +1750,7 @@
           <a:p>
             <a:fld id="{54B9187C-4AAB-4BBF-A4A6-86C60CA1ED33}" type="datetimeFigureOut">
               <a:rPr lang="de-CH" smtClean="0"/>
-              <a:t>27.10.2016</a:t>
+              <a:t>27.10.16</a:t>
             </a:fld>
             <a:endParaRPr lang="de-CH"/>
           </a:p>
@@ -1845,7 +1845,7 @@
           <a:p>
             <a:fld id="{54B9187C-4AAB-4BBF-A4A6-86C60CA1ED33}" type="datetimeFigureOut">
               <a:rPr lang="de-CH" smtClean="0"/>
-              <a:t>27.10.2016</a:t>
+              <a:t>27.10.16</a:t>
             </a:fld>
             <a:endParaRPr lang="de-CH"/>
           </a:p>
@@ -2122,7 +2122,7 @@
           <a:p>
             <a:fld id="{54B9187C-4AAB-4BBF-A4A6-86C60CA1ED33}" type="datetimeFigureOut">
               <a:rPr lang="de-CH" smtClean="0"/>
-              <a:t>27.10.2016</a:t>
+              <a:t>27.10.16</a:t>
             </a:fld>
             <a:endParaRPr lang="de-CH"/>
           </a:p>
@@ -2375,7 +2375,7 @@
           <a:p>
             <a:fld id="{54B9187C-4AAB-4BBF-A4A6-86C60CA1ED33}" type="datetimeFigureOut">
               <a:rPr lang="de-CH" smtClean="0"/>
-              <a:t>27.10.2016</a:t>
+              <a:t>27.10.16</a:t>
             </a:fld>
             <a:endParaRPr lang="de-CH"/>
           </a:p>
@@ -2588,7 +2588,7 @@
           <a:p>
             <a:fld id="{54B9187C-4AAB-4BBF-A4A6-86C60CA1ED33}" type="datetimeFigureOut">
               <a:rPr lang="de-CH" smtClean="0"/>
-              <a:t>27.10.2016</a:t>
+              <a:t>27.10.16</a:t>
             </a:fld>
             <a:endParaRPr lang="de-CH"/>
           </a:p>
@@ -3508,14 +3508,19 @@
             <p:ph type="title"/>
           </p:nvPr>
         </p:nvSpPr>
-        <p:spPr/>
-        <p:txBody>
-          <a:bodyPr/>
-          <a:lstStyle/>
-          <a:p>
-            <a:r>
-              <a:rPr lang="de-CH" dirty="0" err="1" smtClean="0"/>
-              <a:t>Validate</a:t>
+        <p:spPr>
+          <a:xfrm>
+            <a:off x="461775" y="340412"/>
+            <a:ext cx="10515600" cy="1325563"/>
+          </a:xfrm>
+        </p:spPr>
+        <p:txBody>
+          <a:bodyPr/>
+          <a:lstStyle/>
+          <a:p>
+            <a:r>
+              <a:rPr lang="de-CH" dirty="0" smtClean="0"/>
+              <a:t>Validation</a:t>
             </a:r>
             <a:endParaRPr lang="de-CH" dirty="0"/>
           </a:p>
@@ -3523,40 +3528,214 @@
       </p:sp>
       <p:sp>
         <p:nvSpPr>
-          <p:cNvPr id="3" name="Inhaltsplatzhalter 2"/>
-          <p:cNvSpPr>
-            <a:spLocks noGrp="1"/>
-          </p:cNvSpPr>
-          <p:nvPr>
-            <p:ph idx="1"/>
-          </p:nvPr>
-        </p:nvSpPr>
-        <p:spPr/>
-        <p:txBody>
-          <a:bodyPr/>
-          <a:lstStyle/>
-          <a:p>
-            <a:endParaRPr lang="de-CH"/>
-          </a:p>
-        </p:txBody>
-      </p:sp>
+          <p:cNvPr id="4" name="Inhaltsplatzhalter 3"/>
+          <p:cNvSpPr>
+            <a:spLocks noGrp="1"/>
+          </p:cNvSpPr>
+          <p:nvPr>
+            <p:ph sz="half" idx="2"/>
+          </p:nvPr>
+        </p:nvSpPr>
+        <p:spPr>
+          <a:xfrm>
+            <a:off x="6286500" y="1551777"/>
+            <a:ext cx="5181600" cy="4351338"/>
+          </a:xfrm>
+        </p:spPr>
+        <p:txBody>
+          <a:bodyPr>
+            <a:normAutofit fontScale="47500" lnSpcReduction="20000"/>
+          </a:bodyPr>
+          <a:lstStyle/>
+          <a:p>
+            <a:pPr marL="0" indent="0">
+              <a:buNone/>
+            </a:pPr>
+            <a:r>
+              <a:rPr lang="de-CH" sz="3600" b="1" dirty="0" smtClean="0"/>
+              <a:t>Unsere </a:t>
+            </a:r>
+            <a:r>
+              <a:rPr lang="de-CH" sz="3600" b="1" dirty="0"/>
+              <a:t>Ziele </a:t>
+            </a:r>
+          </a:p>
+          <a:p>
+            <a:pPr>
+              <a:buFont typeface="Arial" charset="0"/>
+              <a:buChar char="•"/>
+            </a:pPr>
+            <a:r>
+              <a:rPr lang="de-CH" sz="3600" dirty="0" smtClean="0"/>
+              <a:t>Verstehen </a:t>
+            </a:r>
+            <a:r>
+              <a:rPr lang="de-CH" sz="3600" dirty="0"/>
+              <a:t>Sie die Skizze?</a:t>
+            </a:r>
+          </a:p>
+          <a:p>
+            <a:r>
+              <a:rPr lang="de-CH" sz="3600" dirty="0"/>
+              <a:t>Sind die gewählten Use Cases in Ihren Augen realistisch? </a:t>
+            </a:r>
+          </a:p>
+          <a:p>
+            <a:r>
+              <a:rPr lang="de-CH" sz="3600" dirty="0"/>
+              <a:t>Welche Use Cases sind Ihrer Meinung nach denkbar? </a:t>
+            </a:r>
+            <a:r>
+              <a:rPr lang="de-CH" sz="3600" dirty="0" smtClean="0"/>
+              <a:t> </a:t>
+            </a:r>
+          </a:p>
+          <a:p>
+            <a:endParaRPr lang="de-CH" sz="3600" b="1" dirty="0" smtClean="0"/>
+          </a:p>
+          <a:p>
+            <a:pPr marL="0" indent="0">
+              <a:buNone/>
+            </a:pPr>
+            <a:r>
+              <a:rPr lang="de-CH" sz="3600" b="1" dirty="0" smtClean="0"/>
+              <a:t>Antworten </a:t>
+            </a:r>
+          </a:p>
+          <a:p>
+            <a:r>
+              <a:rPr lang="de-CH" sz="3600" dirty="0" smtClean="0"/>
+              <a:t>Gut verständlich</a:t>
+            </a:r>
+            <a:endParaRPr lang="de-CH" sz="3600" dirty="0"/>
+          </a:p>
+          <a:p>
+            <a:r>
+              <a:rPr lang="de-CH" sz="3600" dirty="0" smtClean="0"/>
+              <a:t>Beide denkbar</a:t>
+            </a:r>
+          </a:p>
+          <a:p>
+            <a:r>
+              <a:rPr lang="de-CH" sz="3600" dirty="0" smtClean="0"/>
+              <a:t>Qualitätskriterien sind wichtig </a:t>
+            </a:r>
+            <a:r>
+              <a:rPr lang="de-CH" sz="3600" dirty="0" smtClean="0">
+                <a:sym typeface="Wingdings"/>
+              </a:rPr>
+              <a:t> hat sich jedoch geregelt</a:t>
+            </a:r>
+          </a:p>
+          <a:p>
+            <a:r>
+              <a:rPr lang="de-CH" sz="3600" dirty="0" smtClean="0">
+                <a:sym typeface="Wingdings"/>
+              </a:rPr>
+              <a:t>Statistiken/Informationen grösstenteils aus BFS und Suchtmonitoring (Arbeiten mit BAG zusammen)</a:t>
+            </a:r>
+            <a:endParaRPr lang="de-CH" sz="3600" dirty="0"/>
+          </a:p>
+          <a:p>
+            <a:r>
+              <a:rPr lang="de-CH" sz="3600" dirty="0"/>
+              <a:t>W</a:t>
+            </a:r>
+            <a:r>
+              <a:rPr lang="de-CH" sz="3600" dirty="0" smtClean="0"/>
+              <a:t>enn Statistiken erhalten, Frage: Anstieg bemerkbar? </a:t>
+            </a:r>
+          </a:p>
+          <a:p>
+            <a:pPr lvl="1"/>
+            <a:r>
+              <a:rPr lang="de-CH" sz="3600" dirty="0" smtClean="0"/>
+              <a:t>Reaktion </a:t>
+            </a:r>
+            <a:r>
+              <a:rPr lang="de-CH" sz="3600" dirty="0" smtClean="0">
+                <a:sym typeface="Wingdings"/>
+              </a:rPr>
+              <a:t> </a:t>
+            </a:r>
+            <a:r>
+              <a:rPr lang="de-CH" sz="3600" dirty="0" smtClean="0"/>
+              <a:t>Zum </a:t>
+            </a:r>
+            <a:r>
+              <a:rPr lang="de-CH" sz="3600" dirty="0"/>
+              <a:t>Beispiel </a:t>
+            </a:r>
+            <a:r>
+              <a:rPr lang="de-CH" sz="3600" dirty="0" smtClean="0"/>
+              <a:t>Kampagne</a:t>
+            </a:r>
+          </a:p>
+          <a:p>
+            <a:endParaRPr lang="de-CH" dirty="0"/>
+          </a:p>
+        </p:txBody>
+      </p:sp>
+      <p:pic>
+        <p:nvPicPr>
+          <p:cNvPr id="11" name="Inhaltsplatzhalter 10"/>
+          <p:cNvPicPr>
+            <a:picLocks noGrp="1" noChangeAspect="1"/>
+          </p:cNvPicPr>
+          <p:nvPr>
+            <p:ph sz="half" idx="1"/>
+          </p:nvPr>
+        </p:nvPicPr>
+        <p:blipFill>
+          <a:blip r:embed="rId2"/>
+          <a:stretch>
+            <a:fillRect/>
+          </a:stretch>
+        </p:blipFill>
+        <p:spPr>
+          <a:xfrm>
+            <a:off x="461775" y="1513676"/>
+            <a:ext cx="5558025" cy="2006970"/>
+          </a:xfrm>
+          <a:prstGeom prst="rect">
+            <a:avLst/>
+          </a:prstGeom>
+        </p:spPr>
+      </p:pic>
+      <p:pic>
+        <p:nvPicPr>
+          <p:cNvPr id="13" name="Bild 12"/>
+          <p:cNvPicPr>
+            <a:picLocks noChangeAspect="1"/>
+          </p:cNvPicPr>
+          <p:nvPr/>
+        </p:nvPicPr>
+        <p:blipFill>
+          <a:blip r:embed="rId3"/>
+          <a:stretch>
+            <a:fillRect/>
+          </a:stretch>
+        </p:blipFill>
+        <p:spPr>
+          <a:xfrm>
+            <a:off x="1014597" y="3591969"/>
+            <a:ext cx="4452380" cy="2381682"/>
+          </a:xfrm>
+          <a:prstGeom prst="rect">
+            <a:avLst/>
+          </a:prstGeom>
+        </p:spPr>
+      </p:pic>
     </p:spTree>
     <p:extLst>
       <p:ext uri="{BB962C8B-B14F-4D97-AF65-F5344CB8AC3E}">
-        <p14:creationId xmlns:p14="http://schemas.microsoft.com/office/powerpoint/2010/main" val="3443470558"/>
+        <p14:creationId xmlns:p14="http://schemas.microsoft.com/office/powerpoint/2010/main" val="1032808417"/>
       </p:ext>
     </p:extLst>
   </p:cSld>
   <p:clrMapOvr>
     <a:masterClrMapping/>
   </p:clrMapOvr>
-  <p:timing>
-    <p:tnLst>
-      <p:par>
-        <p:cTn id="1" dur="indefinite" restart="never" nodeType="tmRoot"/>
-      </p:par>
-    </p:tnLst>
-  </p:timing>
 </p:sld>
 </file>
 

--- a/doc/task3/red_task3.pptx
+++ b/doc/task3/red_task3.pptx
@@ -178,7 +178,7 @@
           </a:lstStyle>
           <a:p>
             <a:r>
-              <a:rPr lang="de-DE" smtClean="0"/>
+              <a:rPr lang="de-DE"/>
               <a:t>Titelmasterformat durch Klicken bearbeiten</a:t>
             </a:r>
             <a:endParaRPr lang="de-CH"/>
@@ -243,7 +243,7 @@
           </a:lstStyle>
           <a:p>
             <a:r>
-              <a:rPr lang="de-DE" smtClean="0"/>
+              <a:rPr lang="de-DE"/>
               <a:t>Formatvorlage des Untertitelmasters durch Klicken bearbeiten</a:t>
             </a:r>
             <a:endParaRPr lang="de-CH"/>
@@ -267,7 +267,7 @@
           <a:p>
             <a:fld id="{54B9187C-4AAB-4BBF-A4A6-86C60CA1ED33}" type="datetimeFigureOut">
               <a:rPr lang="de-CH" smtClean="0"/>
-              <a:t>27.10.16</a:t>
+              <a:t>28.10.2016</a:t>
             </a:fld>
             <a:endParaRPr lang="de-CH"/>
           </a:p>
@@ -361,7 +361,7 @@
           <a:lstStyle/>
           <a:p>
             <a:r>
-              <a:rPr lang="de-DE" smtClean="0"/>
+              <a:rPr lang="de-DE"/>
               <a:t>Titelmasterformat durch Klicken bearbeiten</a:t>
             </a:r>
             <a:endParaRPr lang="de-CH"/>
@@ -385,35 +385,35 @@
           <a:p>
             <a:pPr lvl="0"/>
             <a:r>
-              <a:rPr lang="de-DE" smtClean="0"/>
+              <a:rPr lang="de-DE"/>
               <a:t>Textmasterformat bearbeiten</a:t>
             </a:r>
           </a:p>
           <a:p>
             <a:pPr lvl="1"/>
             <a:r>
-              <a:rPr lang="de-DE" smtClean="0"/>
+              <a:rPr lang="de-DE"/>
               <a:t>Zweite Ebene</a:t>
             </a:r>
           </a:p>
           <a:p>
             <a:pPr lvl="2"/>
             <a:r>
-              <a:rPr lang="de-DE" smtClean="0"/>
+              <a:rPr lang="de-DE"/>
               <a:t>Dritte Ebene</a:t>
             </a:r>
           </a:p>
           <a:p>
             <a:pPr lvl="3"/>
             <a:r>
-              <a:rPr lang="de-DE" smtClean="0"/>
+              <a:rPr lang="de-DE"/>
               <a:t>Vierte Ebene</a:t>
             </a:r>
           </a:p>
           <a:p>
             <a:pPr lvl="4"/>
             <a:r>
-              <a:rPr lang="de-DE" smtClean="0"/>
+              <a:rPr lang="de-DE"/>
               <a:t>Fünfte Ebene</a:t>
             </a:r>
             <a:endParaRPr lang="de-CH"/>
@@ -437,7 +437,7 @@
           <a:p>
             <a:fld id="{54B9187C-4AAB-4BBF-A4A6-86C60CA1ED33}" type="datetimeFigureOut">
               <a:rPr lang="de-CH" smtClean="0"/>
-              <a:t>27.10.16</a:t>
+              <a:t>28.10.2016</a:t>
             </a:fld>
             <a:endParaRPr lang="de-CH"/>
           </a:p>
@@ -536,7 +536,7 @@
           <a:lstStyle/>
           <a:p>
             <a:r>
-              <a:rPr lang="de-DE" smtClean="0"/>
+              <a:rPr lang="de-DE"/>
               <a:t>Titelmasterformat durch Klicken bearbeiten</a:t>
             </a:r>
             <a:endParaRPr lang="de-CH"/>
@@ -565,35 +565,35 @@
           <a:p>
             <a:pPr lvl="0"/>
             <a:r>
-              <a:rPr lang="de-DE" smtClean="0"/>
+              <a:rPr lang="de-DE"/>
               <a:t>Textmasterformat bearbeiten</a:t>
             </a:r>
           </a:p>
           <a:p>
             <a:pPr lvl="1"/>
             <a:r>
-              <a:rPr lang="de-DE" smtClean="0"/>
+              <a:rPr lang="de-DE"/>
               <a:t>Zweite Ebene</a:t>
             </a:r>
           </a:p>
           <a:p>
             <a:pPr lvl="2"/>
             <a:r>
-              <a:rPr lang="de-DE" smtClean="0"/>
+              <a:rPr lang="de-DE"/>
               <a:t>Dritte Ebene</a:t>
             </a:r>
           </a:p>
           <a:p>
             <a:pPr lvl="3"/>
             <a:r>
-              <a:rPr lang="de-DE" smtClean="0"/>
+              <a:rPr lang="de-DE"/>
               <a:t>Vierte Ebene</a:t>
             </a:r>
           </a:p>
           <a:p>
             <a:pPr lvl="4"/>
             <a:r>
-              <a:rPr lang="de-DE" smtClean="0"/>
+              <a:rPr lang="de-DE"/>
               <a:t>Fünfte Ebene</a:t>
             </a:r>
             <a:endParaRPr lang="de-CH"/>
@@ -617,7 +617,7 @@
           <a:p>
             <a:fld id="{54B9187C-4AAB-4BBF-A4A6-86C60CA1ED33}" type="datetimeFigureOut">
               <a:rPr lang="de-CH" smtClean="0"/>
-              <a:t>27.10.16</a:t>
+              <a:t>28.10.2016</a:t>
             </a:fld>
             <a:endParaRPr lang="de-CH"/>
           </a:p>
@@ -711,7 +711,7 @@
           <a:lstStyle/>
           <a:p>
             <a:r>
-              <a:rPr lang="de-DE" smtClean="0"/>
+              <a:rPr lang="de-DE"/>
               <a:t>Titelmasterformat durch Klicken bearbeiten</a:t>
             </a:r>
             <a:endParaRPr lang="de-CH"/>
@@ -735,35 +735,35 @@
           <a:p>
             <a:pPr lvl="0"/>
             <a:r>
-              <a:rPr lang="de-DE" smtClean="0"/>
+              <a:rPr lang="de-DE"/>
               <a:t>Textmasterformat bearbeiten</a:t>
             </a:r>
           </a:p>
           <a:p>
             <a:pPr lvl="1"/>
             <a:r>
-              <a:rPr lang="de-DE" smtClean="0"/>
+              <a:rPr lang="de-DE"/>
               <a:t>Zweite Ebene</a:t>
             </a:r>
           </a:p>
           <a:p>
             <a:pPr lvl="2"/>
             <a:r>
-              <a:rPr lang="de-DE" smtClean="0"/>
+              <a:rPr lang="de-DE"/>
               <a:t>Dritte Ebene</a:t>
             </a:r>
           </a:p>
           <a:p>
             <a:pPr lvl="3"/>
             <a:r>
-              <a:rPr lang="de-DE" smtClean="0"/>
+              <a:rPr lang="de-DE"/>
               <a:t>Vierte Ebene</a:t>
             </a:r>
           </a:p>
           <a:p>
             <a:pPr lvl="4"/>
             <a:r>
-              <a:rPr lang="de-DE" smtClean="0"/>
+              <a:rPr lang="de-DE"/>
               <a:t>Fünfte Ebene</a:t>
             </a:r>
             <a:endParaRPr lang="de-CH"/>
@@ -787,7 +787,7 @@
           <a:p>
             <a:fld id="{54B9187C-4AAB-4BBF-A4A6-86C60CA1ED33}" type="datetimeFigureOut">
               <a:rPr lang="de-CH" smtClean="0"/>
-              <a:t>27.10.16</a:t>
+              <a:t>28.10.2016</a:t>
             </a:fld>
             <a:endParaRPr lang="de-CH"/>
           </a:p>
@@ -890,7 +890,7 @@
           </a:lstStyle>
           <a:p>
             <a:r>
-              <a:rPr lang="de-DE" smtClean="0"/>
+              <a:rPr lang="de-DE"/>
               <a:t>Titelmasterformat durch Klicken bearbeiten</a:t>
             </a:r>
             <a:endParaRPr lang="de-CH"/>
@@ -1010,7 +1010,7 @@
           <a:p>
             <a:pPr lvl="0"/>
             <a:r>
-              <a:rPr lang="de-DE" smtClean="0"/>
+              <a:rPr lang="de-DE"/>
               <a:t>Textmasterformat bearbeiten</a:t>
             </a:r>
           </a:p>
@@ -1033,7 +1033,7 @@
           <a:p>
             <a:fld id="{54B9187C-4AAB-4BBF-A4A6-86C60CA1ED33}" type="datetimeFigureOut">
               <a:rPr lang="de-CH" smtClean="0"/>
-              <a:t>27.10.16</a:t>
+              <a:t>28.10.2016</a:t>
             </a:fld>
             <a:endParaRPr lang="de-CH"/>
           </a:p>
@@ -1127,7 +1127,7 @@
           <a:lstStyle/>
           <a:p>
             <a:r>
-              <a:rPr lang="de-DE" smtClean="0"/>
+              <a:rPr lang="de-DE"/>
               <a:t>Titelmasterformat durch Klicken bearbeiten</a:t>
             </a:r>
             <a:endParaRPr lang="de-CH"/>
@@ -1156,35 +1156,35 @@
           <a:p>
             <a:pPr lvl="0"/>
             <a:r>
-              <a:rPr lang="de-DE" smtClean="0"/>
+              <a:rPr lang="de-DE"/>
               <a:t>Textmasterformat bearbeiten</a:t>
             </a:r>
           </a:p>
           <a:p>
             <a:pPr lvl="1"/>
             <a:r>
-              <a:rPr lang="de-DE" smtClean="0"/>
+              <a:rPr lang="de-DE"/>
               <a:t>Zweite Ebene</a:t>
             </a:r>
           </a:p>
           <a:p>
             <a:pPr lvl="2"/>
             <a:r>
-              <a:rPr lang="de-DE" smtClean="0"/>
+              <a:rPr lang="de-DE"/>
               <a:t>Dritte Ebene</a:t>
             </a:r>
           </a:p>
           <a:p>
             <a:pPr lvl="3"/>
             <a:r>
-              <a:rPr lang="de-DE" smtClean="0"/>
+              <a:rPr lang="de-DE"/>
               <a:t>Vierte Ebene</a:t>
             </a:r>
           </a:p>
           <a:p>
             <a:pPr lvl="4"/>
             <a:r>
-              <a:rPr lang="de-DE" smtClean="0"/>
+              <a:rPr lang="de-DE"/>
               <a:t>Fünfte Ebene</a:t>
             </a:r>
             <a:endParaRPr lang="de-CH"/>
@@ -1213,35 +1213,35 @@
           <a:p>
             <a:pPr lvl="0"/>
             <a:r>
-              <a:rPr lang="de-DE" smtClean="0"/>
+              <a:rPr lang="de-DE"/>
               <a:t>Textmasterformat bearbeiten</a:t>
             </a:r>
           </a:p>
           <a:p>
             <a:pPr lvl="1"/>
             <a:r>
-              <a:rPr lang="de-DE" smtClean="0"/>
+              <a:rPr lang="de-DE"/>
               <a:t>Zweite Ebene</a:t>
             </a:r>
           </a:p>
           <a:p>
             <a:pPr lvl="2"/>
             <a:r>
-              <a:rPr lang="de-DE" smtClean="0"/>
+              <a:rPr lang="de-DE"/>
               <a:t>Dritte Ebene</a:t>
             </a:r>
           </a:p>
           <a:p>
             <a:pPr lvl="3"/>
             <a:r>
-              <a:rPr lang="de-DE" smtClean="0"/>
+              <a:rPr lang="de-DE"/>
               <a:t>Vierte Ebene</a:t>
             </a:r>
           </a:p>
           <a:p>
             <a:pPr lvl="4"/>
             <a:r>
-              <a:rPr lang="de-DE" smtClean="0"/>
+              <a:rPr lang="de-DE"/>
               <a:t>Fünfte Ebene</a:t>
             </a:r>
             <a:endParaRPr lang="de-CH"/>
@@ -1265,7 +1265,7 @@
           <a:p>
             <a:fld id="{54B9187C-4AAB-4BBF-A4A6-86C60CA1ED33}" type="datetimeFigureOut">
               <a:rPr lang="de-CH" smtClean="0"/>
-              <a:t>27.10.16</a:t>
+              <a:t>28.10.2016</a:t>
             </a:fld>
             <a:endParaRPr lang="de-CH"/>
           </a:p>
@@ -1364,7 +1364,7 @@
           <a:lstStyle/>
           <a:p>
             <a:r>
-              <a:rPr lang="de-DE" smtClean="0"/>
+              <a:rPr lang="de-DE"/>
               <a:t>Titelmasterformat durch Klicken bearbeiten</a:t>
             </a:r>
             <a:endParaRPr lang="de-CH"/>
@@ -1430,7 +1430,7 @@
           <a:p>
             <a:pPr lvl="0"/>
             <a:r>
-              <a:rPr lang="de-DE" smtClean="0"/>
+              <a:rPr lang="de-DE"/>
               <a:t>Textmasterformat bearbeiten</a:t>
             </a:r>
           </a:p>
@@ -1458,35 +1458,35 @@
           <a:p>
             <a:pPr lvl="0"/>
             <a:r>
-              <a:rPr lang="de-DE" smtClean="0"/>
+              <a:rPr lang="de-DE"/>
               <a:t>Textmasterformat bearbeiten</a:t>
             </a:r>
           </a:p>
           <a:p>
             <a:pPr lvl="1"/>
             <a:r>
-              <a:rPr lang="de-DE" smtClean="0"/>
+              <a:rPr lang="de-DE"/>
               <a:t>Zweite Ebene</a:t>
             </a:r>
           </a:p>
           <a:p>
             <a:pPr lvl="2"/>
             <a:r>
-              <a:rPr lang="de-DE" smtClean="0"/>
+              <a:rPr lang="de-DE"/>
               <a:t>Dritte Ebene</a:t>
             </a:r>
           </a:p>
           <a:p>
             <a:pPr lvl="3"/>
             <a:r>
-              <a:rPr lang="de-DE" smtClean="0"/>
+              <a:rPr lang="de-DE"/>
               <a:t>Vierte Ebene</a:t>
             </a:r>
           </a:p>
           <a:p>
             <a:pPr lvl="4"/>
             <a:r>
-              <a:rPr lang="de-DE" smtClean="0"/>
+              <a:rPr lang="de-DE"/>
               <a:t>Fünfte Ebene</a:t>
             </a:r>
             <a:endParaRPr lang="de-CH"/>
@@ -1552,7 +1552,7 @@
           <a:p>
             <a:pPr lvl="0"/>
             <a:r>
-              <a:rPr lang="de-DE" smtClean="0"/>
+              <a:rPr lang="de-DE"/>
               <a:t>Textmasterformat bearbeiten</a:t>
             </a:r>
           </a:p>
@@ -1580,35 +1580,35 @@
           <a:p>
             <a:pPr lvl="0"/>
             <a:r>
-              <a:rPr lang="de-DE" smtClean="0"/>
+              <a:rPr lang="de-DE"/>
               <a:t>Textmasterformat bearbeiten</a:t>
             </a:r>
           </a:p>
           <a:p>
             <a:pPr lvl="1"/>
             <a:r>
-              <a:rPr lang="de-DE" smtClean="0"/>
+              <a:rPr lang="de-DE"/>
               <a:t>Zweite Ebene</a:t>
             </a:r>
           </a:p>
           <a:p>
             <a:pPr lvl="2"/>
             <a:r>
-              <a:rPr lang="de-DE" smtClean="0"/>
+              <a:rPr lang="de-DE"/>
               <a:t>Dritte Ebene</a:t>
             </a:r>
           </a:p>
           <a:p>
             <a:pPr lvl="3"/>
             <a:r>
-              <a:rPr lang="de-DE" smtClean="0"/>
+              <a:rPr lang="de-DE"/>
               <a:t>Vierte Ebene</a:t>
             </a:r>
           </a:p>
           <a:p>
             <a:pPr lvl="4"/>
             <a:r>
-              <a:rPr lang="de-DE" smtClean="0"/>
+              <a:rPr lang="de-DE"/>
               <a:t>Fünfte Ebene</a:t>
             </a:r>
             <a:endParaRPr lang="de-CH"/>
@@ -1632,7 +1632,7 @@
           <a:p>
             <a:fld id="{54B9187C-4AAB-4BBF-A4A6-86C60CA1ED33}" type="datetimeFigureOut">
               <a:rPr lang="de-CH" smtClean="0"/>
-              <a:t>27.10.16</a:t>
+              <a:t>28.10.2016</a:t>
             </a:fld>
             <a:endParaRPr lang="de-CH"/>
           </a:p>
@@ -1726,7 +1726,7 @@
           <a:lstStyle/>
           <a:p>
             <a:r>
-              <a:rPr lang="de-DE" smtClean="0"/>
+              <a:rPr lang="de-DE"/>
               <a:t>Titelmasterformat durch Klicken bearbeiten</a:t>
             </a:r>
             <a:endParaRPr lang="de-CH"/>
@@ -1750,7 +1750,7 @@
           <a:p>
             <a:fld id="{54B9187C-4AAB-4BBF-A4A6-86C60CA1ED33}" type="datetimeFigureOut">
               <a:rPr lang="de-CH" smtClean="0"/>
-              <a:t>27.10.16</a:t>
+              <a:t>28.10.2016</a:t>
             </a:fld>
             <a:endParaRPr lang="de-CH"/>
           </a:p>
@@ -1845,7 +1845,7 @@
           <a:p>
             <a:fld id="{54B9187C-4AAB-4BBF-A4A6-86C60CA1ED33}" type="datetimeFigureOut">
               <a:rPr lang="de-CH" smtClean="0"/>
-              <a:t>27.10.16</a:t>
+              <a:t>28.10.2016</a:t>
             </a:fld>
             <a:endParaRPr lang="de-CH"/>
           </a:p>
@@ -1948,7 +1948,7 @@
           </a:lstStyle>
           <a:p>
             <a:r>
-              <a:rPr lang="de-DE" smtClean="0"/>
+              <a:rPr lang="de-DE"/>
               <a:t>Titelmasterformat durch Klicken bearbeiten</a:t>
             </a:r>
             <a:endParaRPr lang="de-CH"/>
@@ -2005,35 +2005,35 @@
           <a:p>
             <a:pPr lvl="0"/>
             <a:r>
-              <a:rPr lang="de-DE" smtClean="0"/>
+              <a:rPr lang="de-DE"/>
               <a:t>Textmasterformat bearbeiten</a:t>
             </a:r>
           </a:p>
           <a:p>
             <a:pPr lvl="1"/>
             <a:r>
-              <a:rPr lang="de-DE" smtClean="0"/>
+              <a:rPr lang="de-DE"/>
               <a:t>Zweite Ebene</a:t>
             </a:r>
           </a:p>
           <a:p>
             <a:pPr lvl="2"/>
             <a:r>
-              <a:rPr lang="de-DE" smtClean="0"/>
+              <a:rPr lang="de-DE"/>
               <a:t>Dritte Ebene</a:t>
             </a:r>
           </a:p>
           <a:p>
             <a:pPr lvl="3"/>
             <a:r>
-              <a:rPr lang="de-DE" smtClean="0"/>
+              <a:rPr lang="de-DE"/>
               <a:t>Vierte Ebene</a:t>
             </a:r>
           </a:p>
           <a:p>
             <a:pPr lvl="4"/>
             <a:r>
-              <a:rPr lang="de-DE" smtClean="0"/>
+              <a:rPr lang="de-DE"/>
               <a:t>Fünfte Ebene</a:t>
             </a:r>
             <a:endParaRPr lang="de-CH"/>
@@ -2099,7 +2099,7 @@
           <a:p>
             <a:pPr lvl="0"/>
             <a:r>
-              <a:rPr lang="de-DE" smtClean="0"/>
+              <a:rPr lang="de-DE"/>
               <a:t>Textmasterformat bearbeiten</a:t>
             </a:r>
           </a:p>
@@ -2122,7 +2122,7 @@
           <a:p>
             <a:fld id="{54B9187C-4AAB-4BBF-A4A6-86C60CA1ED33}" type="datetimeFigureOut">
               <a:rPr lang="de-CH" smtClean="0"/>
-              <a:t>27.10.16</a:t>
+              <a:t>28.10.2016</a:t>
             </a:fld>
             <a:endParaRPr lang="de-CH"/>
           </a:p>
@@ -2225,7 +2225,7 @@
           </a:lstStyle>
           <a:p>
             <a:r>
-              <a:rPr lang="de-DE" smtClean="0"/>
+              <a:rPr lang="de-DE"/>
               <a:t>Titelmasterformat durch Klicken bearbeiten</a:t>
             </a:r>
             <a:endParaRPr lang="de-CH"/>
@@ -2352,7 +2352,7 @@
           <a:p>
             <a:pPr lvl="0"/>
             <a:r>
-              <a:rPr lang="de-DE" smtClean="0"/>
+              <a:rPr lang="de-DE"/>
               <a:t>Textmasterformat bearbeiten</a:t>
             </a:r>
           </a:p>
@@ -2375,7 +2375,7 @@
           <a:p>
             <a:fld id="{54B9187C-4AAB-4BBF-A4A6-86C60CA1ED33}" type="datetimeFigureOut">
               <a:rPr lang="de-CH" smtClean="0"/>
-              <a:t>27.10.16</a:t>
+              <a:t>28.10.2016</a:t>
             </a:fld>
             <a:endParaRPr lang="de-CH"/>
           </a:p>
@@ -2484,7 +2484,7 @@
           <a:lstStyle/>
           <a:p>
             <a:r>
-              <a:rPr lang="de-DE" smtClean="0"/>
+              <a:rPr lang="de-DE"/>
               <a:t>Titelmasterformat durch Klicken bearbeiten</a:t>
             </a:r>
             <a:endParaRPr lang="de-CH"/>
@@ -2518,35 +2518,35 @@
           <a:p>
             <a:pPr lvl="0"/>
             <a:r>
-              <a:rPr lang="de-DE" smtClean="0"/>
+              <a:rPr lang="de-DE"/>
               <a:t>Textmasterformat bearbeiten</a:t>
             </a:r>
           </a:p>
           <a:p>
             <a:pPr lvl="1"/>
             <a:r>
-              <a:rPr lang="de-DE" smtClean="0"/>
+              <a:rPr lang="de-DE"/>
               <a:t>Zweite Ebene</a:t>
             </a:r>
           </a:p>
           <a:p>
             <a:pPr lvl="2"/>
             <a:r>
-              <a:rPr lang="de-DE" smtClean="0"/>
+              <a:rPr lang="de-DE"/>
               <a:t>Dritte Ebene</a:t>
             </a:r>
           </a:p>
           <a:p>
             <a:pPr lvl="3"/>
             <a:r>
-              <a:rPr lang="de-DE" smtClean="0"/>
+              <a:rPr lang="de-DE"/>
               <a:t>Vierte Ebene</a:t>
             </a:r>
           </a:p>
           <a:p>
             <a:pPr lvl="4"/>
             <a:r>
-              <a:rPr lang="de-DE" smtClean="0"/>
+              <a:rPr lang="de-DE"/>
               <a:t>Fünfte Ebene</a:t>
             </a:r>
             <a:endParaRPr lang="de-CH"/>
@@ -2588,7 +2588,7 @@
           <a:p>
             <a:fld id="{54B9187C-4AAB-4BBF-A4A6-86C60CA1ED33}" type="datetimeFigureOut">
               <a:rPr lang="de-CH" smtClean="0"/>
-              <a:t>27.10.16</a:t>
+              <a:t>28.10.2016</a:t>
             </a:fld>
             <a:endParaRPr lang="de-CH"/>
           </a:p>
@@ -3009,7 +3009,7 @@
           <a:lstStyle/>
           <a:p>
             <a:r>
-              <a:rPr lang="de-CH" dirty="0" smtClean="0">
+              <a:rPr lang="de-CH" dirty="0">
                 <a:solidFill>
                   <a:srgbClr val="FF0000"/>
                 </a:solidFill>
@@ -3017,7 +3017,7 @@
               <a:t>CS1 - Task 03 Design </a:t>
             </a:r>
             <a:r>
-              <a:rPr lang="de-CH" dirty="0" err="1" smtClean="0">
+              <a:rPr lang="de-CH" dirty="0" err="1">
                 <a:solidFill>
                   <a:srgbClr val="FF0000"/>
                 </a:solidFill>
@@ -3046,44 +3046,44 @@
           <a:lstStyle/>
           <a:p>
             <a:r>
-              <a:rPr lang="de-CH" dirty="0" smtClean="0"/>
+              <a:rPr lang="de-CH" dirty="0"/>
               <a:t>Team </a:t>
             </a:r>
             <a:r>
-              <a:rPr lang="de-CH" dirty="0" err="1" smtClean="0"/>
+              <a:rPr lang="de-CH" dirty="0" err="1"/>
               <a:t>Red</a:t>
             </a:r>
-            <a:endParaRPr lang="de-CH" dirty="0" smtClean="0"/>
-          </a:p>
-          <a:p>
-            <a:endParaRPr lang="de-CH" dirty="0" smtClean="0"/>
-          </a:p>
-          <a:p>
-            <a:endParaRPr lang="de-CH" dirty="0" smtClean="0"/>
-          </a:p>
-          <a:p>
-            <a:r>
-              <a:rPr lang="de-CH" dirty="0" err="1" smtClean="0"/>
+            <a:endParaRPr lang="de-CH" dirty="0"/>
+          </a:p>
+          <a:p>
+            <a:endParaRPr lang="de-CH" dirty="0"/>
+          </a:p>
+          <a:p>
+            <a:endParaRPr lang="de-CH" dirty="0"/>
+          </a:p>
+          <a:p>
+            <a:r>
+              <a:rPr lang="de-CH" dirty="0" err="1"/>
               <a:t>Frehner</a:t>
             </a:r>
             <a:r>
-              <a:rPr lang="de-CH" dirty="0" smtClean="0"/>
+              <a:rPr lang="de-CH" dirty="0"/>
               <a:t>, Hamidi, </a:t>
             </a:r>
             <a:r>
-              <a:rPr lang="de-CH" dirty="0" err="1" smtClean="0"/>
+              <a:rPr lang="de-CH" dirty="0" err="1"/>
               <a:t>Magdub</a:t>
             </a:r>
             <a:r>
-              <a:rPr lang="de-CH" dirty="0" smtClean="0"/>
+              <a:rPr lang="de-CH" dirty="0"/>
               <a:t>, Ramos, </a:t>
             </a:r>
             <a:r>
-              <a:rPr lang="de-CH" dirty="0" err="1" smtClean="0"/>
+              <a:rPr lang="de-CH" dirty="0" err="1"/>
               <a:t>Tangarife</a:t>
             </a:r>
             <a:r>
-              <a:rPr lang="de-CH" dirty="0" smtClean="0"/>
+              <a:rPr lang="de-CH" dirty="0"/>
               <a:t>, Tomic </a:t>
             </a:r>
           </a:p>
@@ -3135,10 +3135,9 @@
           <a:lstStyle/>
           <a:p>
             <a:r>
-              <a:rPr lang="de-CH" dirty="0" smtClean="0"/>
+              <a:rPr lang="de-CH" dirty="0"/>
               <a:t>Storyboard Ramos</a:t>
             </a:r>
-            <a:endParaRPr lang="de-CH" dirty="0"/>
           </a:p>
         </p:txBody>
       </p:sp>
@@ -3217,18 +3216,17 @@
           <a:lstStyle/>
           <a:p>
             <a:r>
-              <a:rPr lang="de-CH" dirty="0" smtClean="0"/>
+              <a:rPr lang="de-CH" dirty="0"/>
               <a:t>Storyboard </a:t>
             </a:r>
             <a:r>
-              <a:rPr lang="de-CH" dirty="0" err="1" smtClean="0"/>
+              <a:rPr lang="de-CH" dirty="0" err="1"/>
               <a:t>Tangarife</a:t>
             </a:r>
             <a:r>
-              <a:rPr lang="de-CH" dirty="0" smtClean="0"/>
+              <a:rPr lang="de-CH" dirty="0"/>
               <a:t> </a:t>
             </a:r>
-            <a:endParaRPr lang="de-CH" dirty="0"/>
           </a:p>
         </p:txBody>
       </p:sp>
@@ -3307,10 +3305,9 @@
           <a:lstStyle/>
           <a:p>
             <a:r>
-              <a:rPr lang="de-CH" dirty="0" smtClean="0"/>
+              <a:rPr lang="de-CH" dirty="0"/>
               <a:t>Storyboard Tomic</a:t>
             </a:r>
-            <a:endParaRPr lang="de-CH" dirty="0"/>
           </a:p>
         </p:txBody>
       </p:sp>
@@ -3353,13 +3350,6 @@
   <p:clrMapOvr>
     <a:masterClrMapping/>
   </p:clrMapOvr>
-  <p:timing>
-    <p:tnLst>
-      <p:par>
-        <p:cTn id="1" dur="indefinite" restart="never" nodeType="tmRoot"/>
-      </p:par>
-    </p:tnLst>
-  </p:timing>
 </p:sld>
 </file>
 
@@ -3396,10 +3386,9 @@
           <a:lstStyle/>
           <a:p>
             <a:r>
-              <a:rPr lang="de-CH" dirty="0" smtClean="0"/>
+              <a:rPr lang="de-CH" dirty="0"/>
               <a:t>Prototype</a:t>
             </a:r>
-            <a:endParaRPr lang="de-CH" dirty="0"/>
           </a:p>
         </p:txBody>
       </p:sp>
@@ -3471,13 +3460,6 @@
   <p:clrMapOvr>
     <a:masterClrMapping/>
   </p:clrMapOvr>
-  <p:timing>
-    <p:tnLst>
-      <p:par>
-        <p:cTn id="1" dur="indefinite" restart="never" nodeType="tmRoot"/>
-      </p:par>
-    </p:tnLst>
-  </p:timing>
 </p:sld>
 </file>
 
@@ -3519,10 +3501,9 @@
           <a:lstStyle/>
           <a:p>
             <a:r>
-              <a:rPr lang="de-CH" dirty="0" smtClean="0"/>
+              <a:rPr lang="de-CH" dirty="0"/>
               <a:t>Validation</a:t>
             </a:r>
-            <a:endParaRPr lang="de-CH" dirty="0"/>
           </a:p>
         </p:txBody>
       </p:sp>
@@ -3552,12 +3533,8 @@
               <a:buNone/>
             </a:pPr>
             <a:r>
-              <a:rPr lang="de-CH" sz="3600" b="1" dirty="0" smtClean="0"/>
-              <a:t>Unsere </a:t>
-            </a:r>
-            <a:r>
               <a:rPr lang="de-CH" sz="3600" b="1" dirty="0"/>
-              <a:t>Ziele </a:t>
+              <a:t>Unsere Ziele </a:t>
             </a:r>
           </a:p>
           <a:p>
@@ -3566,12 +3543,8 @@
               <a:buChar char="•"/>
             </a:pPr>
             <a:r>
-              <a:rPr lang="de-CH" sz="3600" dirty="0" smtClean="0"/>
-              <a:t>Verstehen </a:t>
-            </a:r>
-            <a:r>
               <a:rPr lang="de-CH" sz="3600" dirty="0"/>
-              <a:t>Sie die Skizze?</a:t>
+              <a:t>Verstehen Sie die Skizze?</a:t>
             </a:r>
           </a:p>
           <a:p>
@@ -3583,45 +3556,40 @@
           <a:p>
             <a:r>
               <a:rPr lang="de-CH" sz="3600" dirty="0"/>
-              <a:t>Welche Use Cases sind Ihrer Meinung nach denkbar? </a:t>
-            </a:r>
-            <a:r>
-              <a:rPr lang="de-CH" sz="3600" dirty="0" smtClean="0"/>
-              <a:t> </a:t>
-            </a:r>
-          </a:p>
-          <a:p>
-            <a:endParaRPr lang="de-CH" sz="3600" b="1" dirty="0" smtClean="0"/>
+              <a:t>Welche Use Cases sind Ihrer Meinung nach denkbar?  </a:t>
+            </a:r>
+          </a:p>
+          <a:p>
+            <a:endParaRPr lang="de-CH" sz="3600" b="1" dirty="0"/>
           </a:p>
           <a:p>
             <a:pPr marL="0" indent="0">
               <a:buNone/>
             </a:pPr>
             <a:r>
-              <a:rPr lang="de-CH" sz="3600" b="1" dirty="0" smtClean="0"/>
+              <a:rPr lang="de-CH" sz="3600" b="1" dirty="0"/>
               <a:t>Antworten </a:t>
             </a:r>
           </a:p>
           <a:p>
             <a:r>
-              <a:rPr lang="de-CH" sz="3600" dirty="0" smtClean="0"/>
+              <a:rPr lang="de-CH" sz="3600" dirty="0"/>
               <a:t>Gut verständlich</a:t>
             </a:r>
-            <a:endParaRPr lang="de-CH" sz="3600" dirty="0"/>
-          </a:p>
-          <a:p>
-            <a:r>
-              <a:rPr lang="de-CH" sz="3600" dirty="0" smtClean="0"/>
+          </a:p>
+          <a:p>
+            <a:r>
+              <a:rPr lang="de-CH" sz="3600" dirty="0"/>
               <a:t>Beide denkbar</a:t>
             </a:r>
           </a:p>
           <a:p>
             <a:r>
-              <a:rPr lang="de-CH" sz="3600" dirty="0" smtClean="0"/>
+              <a:rPr lang="de-CH" sz="3600" dirty="0"/>
               <a:t>Qualitätskriterien sind wichtig </a:t>
             </a:r>
             <a:r>
-              <a:rPr lang="de-CH" sz="3600" dirty="0" smtClean="0">
+              <a:rPr lang="de-CH" sz="3600" dirty="0">
                 <a:sym typeface="Wingdings"/>
               </a:rPr>
               <a:t> hat sich jedoch geregelt</a:t>
@@ -3629,7 +3597,7 @@
           </a:p>
           <a:p>
             <a:r>
-              <a:rPr lang="de-CH" sz="3600" dirty="0" smtClean="0">
+              <a:rPr lang="de-CH" sz="3600" dirty="0">
                 <a:sym typeface="Wingdings"/>
               </a:rPr>
               <a:t>Statistiken/Informationen grösstenteils aus BFS und Suchtmonitoring (Arbeiten mit BAG zusammen)</a:t>
@@ -3639,36 +3607,24 @@
           <a:p>
             <a:r>
               <a:rPr lang="de-CH" sz="3600" dirty="0"/>
-              <a:t>W</a:t>
-            </a:r>
-            <a:r>
-              <a:rPr lang="de-CH" sz="3600" dirty="0" smtClean="0"/>
-              <a:t>enn Statistiken erhalten, Frage: Anstieg bemerkbar? </a:t>
+              <a:t>Wenn Statistiken erhalten, Frage: Anstieg bemerkbar? </a:t>
             </a:r>
           </a:p>
           <a:p>
             <a:pPr lvl="1"/>
             <a:r>
-              <a:rPr lang="de-CH" sz="3600" dirty="0" smtClean="0"/>
+              <a:rPr lang="de-CH" sz="3600" dirty="0"/>
               <a:t>Reaktion </a:t>
             </a:r>
             <a:r>
-              <a:rPr lang="de-CH" sz="3600" dirty="0" smtClean="0">
+              <a:rPr lang="de-CH" sz="3600" dirty="0">
                 <a:sym typeface="Wingdings"/>
               </a:rPr>
               <a:t> </a:t>
             </a:r>
             <a:r>
-              <a:rPr lang="de-CH" sz="3600" dirty="0" smtClean="0"/>
-              <a:t>Zum </a:t>
-            </a:r>
-            <a:r>
               <a:rPr lang="de-CH" sz="3600" dirty="0"/>
-              <a:t>Beispiel </a:t>
-            </a:r>
-            <a:r>
-              <a:rPr lang="de-CH" sz="3600" dirty="0" smtClean="0"/>
-              <a:t>Kampagne</a:t>
+              <a:t>Zum Beispiel Kampagne</a:t>
             </a:r>
           </a:p>
           <a:p>
@@ -3772,62 +3728,61 @@
           <a:lstStyle/>
           <a:p>
             <a:r>
-              <a:rPr lang="de-CH" dirty="0" smtClean="0"/>
+              <a:rPr lang="de-CH" dirty="0"/>
               <a:t>Content</a:t>
             </a:r>
+          </a:p>
+        </p:txBody>
+      </p:sp>
+      <p:sp>
+        <p:nvSpPr>
+          <p:cNvPr id="3" name="Inhaltsplatzhalter 2"/>
+          <p:cNvSpPr>
+            <a:spLocks noGrp="1"/>
+          </p:cNvSpPr>
+          <p:nvPr>
+            <p:ph idx="1"/>
+          </p:nvPr>
+        </p:nvSpPr>
+        <p:spPr/>
+        <p:txBody>
+          <a:bodyPr/>
+          <a:lstStyle/>
+          <a:p>
+            <a:r>
+              <a:rPr lang="de-CH" dirty="0" err="1"/>
+              <a:t>Scoping</a:t>
+            </a:r>
             <a:endParaRPr lang="de-CH" dirty="0"/>
           </a:p>
-        </p:txBody>
-      </p:sp>
-      <p:sp>
-        <p:nvSpPr>
-          <p:cNvPr id="3" name="Inhaltsplatzhalter 2"/>
-          <p:cNvSpPr>
-            <a:spLocks noGrp="1"/>
-          </p:cNvSpPr>
-          <p:nvPr>
-            <p:ph idx="1"/>
-          </p:nvPr>
-        </p:nvSpPr>
-        <p:spPr/>
-        <p:txBody>
-          <a:bodyPr/>
-          <a:lstStyle/>
-          <a:p>
-            <a:r>
-              <a:rPr lang="de-CH" dirty="0" err="1" smtClean="0"/>
-              <a:t>Scoping</a:t>
-            </a:r>
-            <a:endParaRPr lang="de-CH" dirty="0" smtClean="0"/>
-          </a:p>
-          <a:p>
-            <a:r>
-              <a:rPr lang="de-CH" dirty="0" smtClean="0"/>
+          <a:p>
+            <a:r>
+              <a:rPr lang="de-CH" dirty="0"/>
               <a:t>Research </a:t>
             </a:r>
           </a:p>
           <a:p>
             <a:r>
-              <a:rPr lang="de-CH" dirty="0" err="1" smtClean="0"/>
+              <a:rPr lang="de-CH" dirty="0" err="1"/>
               <a:t>Synthesize</a:t>
             </a:r>
-            <a:endParaRPr lang="de-CH" dirty="0" smtClean="0"/>
-          </a:p>
-          <a:p>
-            <a:r>
-              <a:rPr lang="de-CH" dirty="0" smtClean="0"/>
+            <a:endParaRPr lang="de-CH" dirty="0"/>
+          </a:p>
+          <a:p>
+            <a:r>
+              <a:rPr lang="de-CH" dirty="0"/>
               <a:t>Storyboards</a:t>
             </a:r>
           </a:p>
           <a:p>
             <a:r>
-              <a:rPr lang="de-CH" dirty="0" smtClean="0"/>
+              <a:rPr lang="de-CH" dirty="0"/>
               <a:t>Prototype</a:t>
             </a:r>
           </a:p>
           <a:p>
             <a:r>
-              <a:rPr lang="de-CH" dirty="0" err="1" smtClean="0"/>
+              <a:rPr lang="de-CH" dirty="0" err="1"/>
               <a:t>Validate</a:t>
             </a:r>
             <a:endParaRPr lang="de-CH" dirty="0"/>
@@ -3880,7 +3835,7 @@
           <a:lstStyle/>
           <a:p>
             <a:r>
-              <a:rPr lang="de-CH" dirty="0" err="1" smtClean="0"/>
+              <a:rPr lang="de-CH" dirty="0" err="1"/>
               <a:t>Scoping</a:t>
             </a:r>
             <a:endParaRPr lang="de-CH" dirty="0"/>
@@ -3905,40 +3860,40 @@
           <a:lstStyle/>
           <a:p>
             <a:r>
-              <a:rPr lang="de-CH" dirty="0" smtClean="0"/>
+              <a:rPr lang="de-CH" dirty="0"/>
               <a:t>Project </a:t>
             </a:r>
             <a:r>
-              <a:rPr lang="de-CH" dirty="0" err="1" smtClean="0"/>
+              <a:rPr lang="de-CH" dirty="0" err="1"/>
               <a:t>Scope</a:t>
             </a:r>
-            <a:endParaRPr lang="de-CH" dirty="0" smtClean="0"/>
+            <a:endParaRPr lang="de-CH" dirty="0"/>
           </a:p>
           <a:p>
             <a:pPr lvl="1"/>
             <a:r>
-              <a:rPr lang="de-CH" dirty="0" smtClean="0"/>
+              <a:rPr lang="de-CH" dirty="0"/>
               <a:t>Anwendung für Gesundheitsbehörde im Suchtbereich</a:t>
             </a:r>
           </a:p>
           <a:p>
             <a:pPr lvl="1"/>
             <a:r>
-              <a:rPr lang="de-CH" dirty="0" smtClean="0"/>
+              <a:rPr lang="de-CH" dirty="0"/>
               <a:t>Web-basierte App für Smartphones</a:t>
             </a:r>
           </a:p>
           <a:p>
             <a:pPr lvl="1"/>
             <a:r>
-              <a:rPr lang="de-CH" dirty="0" smtClean="0"/>
+              <a:rPr lang="de-CH" dirty="0"/>
               <a:t>Überblick aller Organisationen</a:t>
             </a:r>
           </a:p>
           <a:p>
             <a:pPr lvl="1"/>
             <a:r>
-              <a:rPr lang="de-CH" dirty="0" smtClean="0"/>
+              <a:rPr lang="de-CH" dirty="0"/>
               <a:t>Statistik aller Spitäler und Kliniken für Suchtpatienten</a:t>
             </a:r>
           </a:p>
@@ -3948,41 +3903,41 @@
           </a:p>
           <a:p>
             <a:r>
-              <a:rPr lang="de-CH" dirty="0" smtClean="0"/>
+              <a:rPr lang="de-CH" dirty="0"/>
               <a:t>Out </a:t>
             </a:r>
             <a:r>
-              <a:rPr lang="de-CH" dirty="0" err="1" smtClean="0"/>
+              <a:rPr lang="de-CH" dirty="0" err="1"/>
               <a:t>of</a:t>
             </a:r>
             <a:r>
-              <a:rPr lang="de-CH" dirty="0" smtClean="0"/>
+              <a:rPr lang="de-CH" dirty="0"/>
               <a:t> </a:t>
             </a:r>
             <a:r>
-              <a:rPr lang="de-CH" dirty="0" err="1" smtClean="0"/>
+              <a:rPr lang="de-CH" dirty="0" err="1"/>
               <a:t>Scope</a:t>
             </a:r>
-            <a:endParaRPr lang="de-CH" dirty="0" smtClean="0"/>
+            <a:endParaRPr lang="de-CH" dirty="0"/>
           </a:p>
           <a:p>
             <a:pPr lvl="1"/>
             <a:r>
-              <a:rPr lang="de-CH" dirty="0" smtClean="0"/>
+              <a:rPr lang="de-CH" dirty="0"/>
               <a:t>Soziale Folgen von Süchte</a:t>
             </a:r>
           </a:p>
           <a:p>
             <a:pPr lvl="1"/>
             <a:r>
-              <a:rPr lang="de-CH" dirty="0" smtClean="0"/>
+              <a:rPr lang="de-CH" dirty="0"/>
               <a:t>Kaufverhalten</a:t>
             </a:r>
           </a:p>
           <a:p>
             <a:pPr lvl="1"/>
             <a:r>
-              <a:rPr lang="de-CH" dirty="0" smtClean="0"/>
+              <a:rPr lang="de-CH" dirty="0"/>
               <a:t>Informationen über gesundheitliche Schäden</a:t>
             </a:r>
           </a:p>
@@ -3992,14 +3947,14 @@
           </a:p>
           <a:p>
             <a:r>
-              <a:rPr lang="de-CH" dirty="0" smtClean="0"/>
+              <a:rPr lang="de-CH" dirty="0"/>
               <a:t>Erfolgsmessung</a:t>
             </a:r>
           </a:p>
           <a:p>
             <a:pPr lvl="1"/>
             <a:r>
-              <a:rPr lang="de-CH" dirty="0" smtClean="0"/>
+              <a:rPr lang="de-CH" dirty="0"/>
               <a:t>Validierung durch User</a:t>
             </a:r>
           </a:p>
@@ -4051,31 +4006,51 @@
           <a:lstStyle/>
           <a:p>
             <a:r>
-              <a:rPr lang="de-CH" dirty="0" smtClean="0"/>
+              <a:rPr lang="de-CH" dirty="0"/>
               <a:t>Research</a:t>
             </a:r>
+          </a:p>
+        </p:txBody>
+      </p:sp>
+      <p:sp>
+        <p:nvSpPr>
+          <p:cNvPr id="3" name="Inhaltsplatzhalter 2"/>
+          <p:cNvSpPr>
+            <a:spLocks noGrp="1"/>
+          </p:cNvSpPr>
+          <p:nvPr>
+            <p:ph idx="1"/>
+          </p:nvPr>
+        </p:nvSpPr>
+        <p:spPr/>
+        <p:txBody>
+          <a:bodyPr/>
+          <a:lstStyle/>
+          <a:p>
+            <a:r>
+              <a:rPr lang="de-CH" dirty="0" err="1"/>
+              <a:t>Gesundheitsmonitoring</a:t>
+            </a:r>
             <a:endParaRPr lang="de-CH" dirty="0"/>
           </a:p>
-        </p:txBody>
-      </p:sp>
-      <p:sp>
-        <p:nvSpPr>
-          <p:cNvPr id="3" name="Inhaltsplatzhalter 2"/>
-          <p:cNvSpPr>
-            <a:spLocks noGrp="1"/>
-          </p:cNvSpPr>
-          <p:nvPr>
-            <p:ph idx="1"/>
-          </p:nvPr>
-        </p:nvSpPr>
-        <p:spPr/>
-        <p:txBody>
-          <a:bodyPr/>
-          <a:lstStyle/>
-          <a:p>
-            <a:r>
-              <a:rPr lang="de-CH" dirty="0" err="1" smtClean="0"/>
-              <a:t>Gesundheitsmonitoring</a:t>
+          <a:p>
+            <a:endParaRPr lang="de-CH" dirty="0"/>
+          </a:p>
+          <a:p>
+            <a:r>
+              <a:rPr lang="de-CH" dirty="0"/>
+              <a:t>Interview mit Herr Michael Lehmann</a:t>
+            </a:r>
+          </a:p>
+          <a:p>
+            <a:pPr lvl="1"/>
+            <a:r>
+              <a:rPr lang="de-CH" dirty="0"/>
+              <a:t>Manager im </a:t>
+            </a:r>
+            <a:r>
+              <a:rPr lang="de-CH"/>
+              <a:t>Bereich Gesundheit</a:t>
             </a:r>
             <a:endParaRPr lang="de-CH" dirty="0"/>
           </a:p>
@@ -4127,64 +4102,63 @@
           <a:lstStyle/>
           <a:p>
             <a:r>
-              <a:rPr lang="de-CH" dirty="0" err="1" smtClean="0"/>
+              <a:rPr lang="de-CH" dirty="0" err="1"/>
               <a:t>Synthesize</a:t>
             </a:r>
             <a:r>
-              <a:rPr lang="de-CH" dirty="0" smtClean="0"/>
+              <a:rPr lang="de-CH" dirty="0"/>
               <a:t>: Persona</a:t>
             </a:r>
+          </a:p>
+        </p:txBody>
+      </p:sp>
+      <p:sp>
+        <p:nvSpPr>
+          <p:cNvPr id="3" name="Inhaltsplatzhalter 2"/>
+          <p:cNvSpPr>
+            <a:spLocks noGrp="1"/>
+          </p:cNvSpPr>
+          <p:nvPr>
+            <p:ph idx="1"/>
+          </p:nvPr>
+        </p:nvSpPr>
+        <p:spPr/>
+        <p:txBody>
+          <a:bodyPr/>
+          <a:lstStyle/>
+          <a:p>
+            <a:r>
+              <a:rPr lang="de-CH" dirty="0"/>
+              <a:t>Paul Mercer </a:t>
+            </a:r>
+          </a:p>
+          <a:p>
+            <a:pPr lvl="1"/>
+            <a:r>
+              <a:rPr lang="de-CH" dirty="0"/>
+              <a:t>Mitarbeiter BAG</a:t>
+            </a:r>
+          </a:p>
+          <a:p>
+            <a:pPr lvl="1"/>
+            <a:r>
+              <a:rPr lang="de-CH" dirty="0"/>
+              <a:t>Benötigt Übersicht über statistische Werte der Suchtpatienten</a:t>
+            </a:r>
+          </a:p>
+          <a:p>
             <a:endParaRPr lang="de-CH" dirty="0"/>
           </a:p>
-        </p:txBody>
-      </p:sp>
-      <p:sp>
-        <p:nvSpPr>
-          <p:cNvPr id="3" name="Inhaltsplatzhalter 2"/>
-          <p:cNvSpPr>
-            <a:spLocks noGrp="1"/>
-          </p:cNvSpPr>
-          <p:nvPr>
-            <p:ph idx="1"/>
-          </p:nvPr>
-        </p:nvSpPr>
-        <p:spPr/>
-        <p:txBody>
-          <a:bodyPr/>
-          <a:lstStyle/>
-          <a:p>
-            <a:r>
-              <a:rPr lang="de-CH" dirty="0" smtClean="0"/>
-              <a:t>Paul Mercer </a:t>
+          <a:p>
+            <a:r>
+              <a:rPr lang="de-CH" dirty="0"/>
+              <a:t>Max Muster</a:t>
             </a:r>
           </a:p>
           <a:p>
             <a:pPr lvl="1"/>
             <a:r>
-              <a:rPr lang="de-CH" dirty="0" smtClean="0"/>
-              <a:t>Mitarbeiter BAG</a:t>
-            </a:r>
-          </a:p>
-          <a:p>
-            <a:pPr lvl="1"/>
-            <a:r>
-              <a:rPr lang="de-CH" dirty="0" smtClean="0"/>
-              <a:t>Benötigt Übersicht über statistische Werte der Suchtpatienten</a:t>
-            </a:r>
-          </a:p>
-          <a:p>
-            <a:endParaRPr lang="de-CH" dirty="0"/>
-          </a:p>
-          <a:p>
-            <a:r>
-              <a:rPr lang="de-CH" dirty="0" smtClean="0"/>
-              <a:t>Max Muster</a:t>
-            </a:r>
-          </a:p>
-          <a:p>
-            <a:pPr lvl="1"/>
-            <a:r>
-              <a:rPr lang="de-CH" dirty="0" smtClean="0"/>
+              <a:rPr lang="de-CH" dirty="0"/>
               <a:t>Verantwortlicher Projekt «Verteilung der Patienten in Suchtkliniken 2017»</a:t>
             </a:r>
           </a:p>
@@ -4200,13 +4174,6 @@
   <p:clrMapOvr>
     <a:masterClrMapping/>
   </p:clrMapOvr>
-  <p:timing>
-    <p:tnLst>
-      <p:par>
-        <p:cTn id="1" dur="indefinite" restart="never" nodeType="tmRoot"/>
-      </p:par>
-    </p:tnLst>
-  </p:timing>
 </p:sld>
 </file>
 
@@ -4243,15 +4210,15 @@
           <a:lstStyle/>
           <a:p>
             <a:r>
-              <a:rPr lang="de-CH" dirty="0" err="1" smtClean="0"/>
+              <a:rPr lang="de-CH" dirty="0" err="1"/>
               <a:t>Synthesize</a:t>
             </a:r>
             <a:r>
-              <a:rPr lang="de-CH" dirty="0" smtClean="0"/>
+              <a:rPr lang="de-CH" dirty="0"/>
               <a:t>: User </a:t>
             </a:r>
             <a:r>
-              <a:rPr lang="de-CH" dirty="0" err="1" smtClean="0"/>
+              <a:rPr lang="de-CH" dirty="0" err="1"/>
               <a:t>requirements</a:t>
             </a:r>
             <a:endParaRPr lang="de-CH" dirty="0"/>
@@ -4297,13 +4264,6 @@
   <p:clrMapOvr>
     <a:masterClrMapping/>
   </p:clrMapOvr>
-  <p:timing>
-    <p:tnLst>
-      <p:par>
-        <p:cTn id="1" dur="indefinite" restart="never" nodeType="tmRoot"/>
-      </p:par>
-    </p:tnLst>
-  </p:timing>
 </p:sld>
 </file>
 
@@ -4340,11 +4300,11 @@
           <a:lstStyle/>
           <a:p>
             <a:r>
-              <a:rPr lang="de-CH" dirty="0" smtClean="0"/>
+              <a:rPr lang="de-CH" dirty="0"/>
               <a:t>Storyboard </a:t>
             </a:r>
             <a:r>
-              <a:rPr lang="de-CH" dirty="0" err="1" smtClean="0"/>
+              <a:rPr lang="de-CH" dirty="0" err="1"/>
               <a:t>Frehner</a:t>
             </a:r>
             <a:endParaRPr lang="de-CH" dirty="0"/>
@@ -4390,13 +4350,6 @@
   <p:clrMapOvr>
     <a:masterClrMapping/>
   </p:clrMapOvr>
-  <p:timing>
-    <p:tnLst>
-      <p:par>
-        <p:cTn id="1" dur="indefinite" restart="never" nodeType="tmRoot"/>
-      </p:par>
-    </p:tnLst>
-  </p:timing>
 </p:sld>
 </file>
 
@@ -4433,10 +4386,9 @@
           <a:lstStyle/>
           <a:p>
             <a:r>
-              <a:rPr lang="de-CH" dirty="0" smtClean="0"/>
+              <a:rPr lang="de-CH" dirty="0"/>
               <a:t>Storyboard Hamidi</a:t>
             </a:r>
-            <a:endParaRPr lang="de-CH" dirty="0"/>
           </a:p>
         </p:txBody>
       </p:sp>
@@ -4515,11 +4467,11 @@
           <a:lstStyle/>
           <a:p>
             <a:r>
-              <a:rPr lang="de-CH" dirty="0" smtClean="0"/>
+              <a:rPr lang="de-CH" dirty="0"/>
               <a:t>Storyboard </a:t>
             </a:r>
             <a:r>
-              <a:rPr lang="de-CH" dirty="0" err="1" smtClean="0"/>
+              <a:rPr lang="de-CH" dirty="0" err="1"/>
               <a:t>Magdub</a:t>
             </a:r>
             <a:endParaRPr lang="de-CH" dirty="0"/>

--- a/doc/task3/red_task3.pptx
+++ b/doc/task3/red_task3.pptx
@@ -4028,12 +4028,29 @@
           <a:lstStyle/>
           <a:p>
             <a:r>
-              <a:rPr lang="de-CH" dirty="0" err="1"/>
-              <a:t>Gesundheitsmonitoring</a:t>
-            </a:r>
-            <a:endParaRPr lang="de-CH" dirty="0"/>
-          </a:p>
-          <a:p>
+              <a:rPr lang="de-CH" dirty="0"/>
+              <a:t>Literaturrecherche</a:t>
+            </a:r>
+          </a:p>
+          <a:p>
+            <a:pPr lvl="1"/>
+            <a:r>
+              <a:rPr lang="de-CH" sz="2800" dirty="0"/>
+              <a:t>Organisationen</a:t>
+            </a:r>
+          </a:p>
+          <a:p>
+            <a:pPr lvl="2"/>
+            <a:r>
+              <a:rPr lang="de-CH" sz="2800" dirty="0" err="1"/>
+              <a:t>Suchtmonitoring</a:t>
+            </a:r>
+            <a:endParaRPr lang="de-CH" sz="2800" dirty="0"/>
+          </a:p>
+          <a:p>
+            <a:pPr marL="0" indent="0">
+              <a:buNone/>
+            </a:pPr>
             <a:endParaRPr lang="de-CH" dirty="0"/>
           </a:p>
           <a:p>
@@ -4045,14 +4062,9 @@
           <a:p>
             <a:pPr lvl="1"/>
             <a:r>
-              <a:rPr lang="de-CH" dirty="0"/>
-              <a:t>Manager im </a:t>
-            </a:r>
-            <a:r>
-              <a:rPr lang="de-CH"/>
-              <a:t>Bereich Gesundheit</a:t>
-            </a:r>
-            <a:endParaRPr lang="de-CH" dirty="0"/>
+              <a:rPr lang="de-CH" sz="2800" dirty="0"/>
+              <a:t>Manager im Bereich Gesundheit</a:t>
+            </a:r>
           </a:p>
         </p:txBody>
       </p:sp>
@@ -4250,7 +4262,7 @@
         <p:spPr>
           <a:xfrm>
             <a:off x="1812182" y="1420844"/>
-            <a:ext cx="8545484" cy="5700651"/>
+            <a:ext cx="8545484" cy="5700650"/>
           </a:xfrm>
         </p:spPr>
       </p:pic>
